--- a/LinuxAdm/LinuxAdm4.pptx
+++ b/LinuxAdm/LinuxAdm4.pptx
@@ -7,6 +7,15 @@
   <p:sldIdLst>
     <p:sldId id="256" r:id="rId2"/>
     <p:sldId id="384" r:id="rId3"/>
+    <p:sldId id="389" r:id="rId4"/>
+    <p:sldId id="385" r:id="rId5"/>
+    <p:sldId id="393" r:id="rId6"/>
+    <p:sldId id="386" r:id="rId7"/>
+    <p:sldId id="391" r:id="rId8"/>
+    <p:sldId id="387" r:id="rId9"/>
+    <p:sldId id="388" r:id="rId10"/>
+    <p:sldId id="390" r:id="rId11"/>
+    <p:sldId id="392" r:id="rId12"/>
   </p:sldIdLst>
   <p:sldSz cx="12192000" cy="6858000"/>
   <p:notesSz cx="6858000" cy="9144000"/>
@@ -262,7 +271,7 @@
           <a:p>
             <a:fld id="{052ECE81-C73C-E543-9046-300010F65159}" type="datetimeFigureOut">
               <a:rPr lang="en-RU" smtClean="0"/>
-              <a:t>20.12.2020</a:t>
+              <a:t>28.12.2020</a:t>
             </a:fld>
             <a:endParaRPr lang="en-RU"/>
           </a:p>
@@ -462,7 +471,7 @@
           <a:p>
             <a:fld id="{052ECE81-C73C-E543-9046-300010F65159}" type="datetimeFigureOut">
               <a:rPr lang="en-RU" smtClean="0"/>
-              <a:t>20.12.2020</a:t>
+              <a:t>28.12.2020</a:t>
             </a:fld>
             <a:endParaRPr lang="en-RU"/>
           </a:p>
@@ -672,7 +681,7 @@
           <a:p>
             <a:fld id="{052ECE81-C73C-E543-9046-300010F65159}" type="datetimeFigureOut">
               <a:rPr lang="en-RU" smtClean="0"/>
-              <a:t>20.12.2020</a:t>
+              <a:t>28.12.2020</a:t>
             </a:fld>
             <a:endParaRPr lang="en-RU"/>
           </a:p>
@@ -1139,7 +1148,7 @@
           <a:p>
             <a:fld id="{052ECE81-C73C-E543-9046-300010F65159}" type="datetimeFigureOut">
               <a:rPr lang="en-RU" smtClean="0"/>
-              <a:t>20.12.2020</a:t>
+              <a:t>28.12.2020</a:t>
             </a:fld>
             <a:endParaRPr lang="en-RU"/>
           </a:p>
@@ -1415,7 +1424,7 @@
           <a:p>
             <a:fld id="{052ECE81-C73C-E543-9046-300010F65159}" type="datetimeFigureOut">
               <a:rPr lang="en-RU" smtClean="0"/>
-              <a:t>20.12.2020</a:t>
+              <a:t>28.12.2020</a:t>
             </a:fld>
             <a:endParaRPr lang="en-RU"/>
           </a:p>
@@ -1683,7 +1692,7 @@
           <a:p>
             <a:fld id="{052ECE81-C73C-E543-9046-300010F65159}" type="datetimeFigureOut">
               <a:rPr lang="en-RU" smtClean="0"/>
-              <a:t>20.12.2020</a:t>
+              <a:t>28.12.2020</a:t>
             </a:fld>
             <a:endParaRPr lang="en-RU"/>
           </a:p>
@@ -2098,7 +2107,7 @@
           <a:p>
             <a:fld id="{052ECE81-C73C-E543-9046-300010F65159}" type="datetimeFigureOut">
               <a:rPr lang="en-RU" smtClean="0"/>
-              <a:t>20.12.2020</a:t>
+              <a:t>28.12.2020</a:t>
             </a:fld>
             <a:endParaRPr lang="en-RU"/>
           </a:p>
@@ -2240,7 +2249,7 @@
           <a:p>
             <a:fld id="{052ECE81-C73C-E543-9046-300010F65159}" type="datetimeFigureOut">
               <a:rPr lang="en-RU" smtClean="0"/>
-              <a:t>20.12.2020</a:t>
+              <a:t>28.12.2020</a:t>
             </a:fld>
             <a:endParaRPr lang="en-RU"/>
           </a:p>
@@ -2353,7 +2362,7 @@
           <a:p>
             <a:fld id="{052ECE81-C73C-E543-9046-300010F65159}" type="datetimeFigureOut">
               <a:rPr lang="en-RU" smtClean="0"/>
-              <a:t>20.12.2020</a:t>
+              <a:t>28.12.2020</a:t>
             </a:fld>
             <a:endParaRPr lang="en-RU"/>
           </a:p>
@@ -2666,7 +2675,7 @@
           <a:p>
             <a:fld id="{052ECE81-C73C-E543-9046-300010F65159}" type="datetimeFigureOut">
               <a:rPr lang="en-RU" smtClean="0"/>
-              <a:t>20.12.2020</a:t>
+              <a:t>28.12.2020</a:t>
             </a:fld>
             <a:endParaRPr lang="en-RU"/>
           </a:p>
@@ -2955,7 +2964,7 @@
           <a:p>
             <a:fld id="{052ECE81-C73C-E543-9046-300010F65159}" type="datetimeFigureOut">
               <a:rPr lang="en-RU" smtClean="0"/>
-              <a:t>20.12.2020</a:t>
+              <a:t>28.12.2020</a:t>
             </a:fld>
             <a:endParaRPr lang="en-RU"/>
           </a:p>
@@ -3198,7 +3207,7 @@
           <a:p>
             <a:fld id="{052ECE81-C73C-E543-9046-300010F65159}" type="datetimeFigureOut">
               <a:rPr lang="en-RU" smtClean="0"/>
-              <a:t>20.12.2020</a:t>
+              <a:t>28.12.2020</a:t>
             </a:fld>
             <a:endParaRPr lang="en-RU"/>
           </a:p>
@@ -3685,6 +3694,662 @@
 </p:sld>
 </file>
 
+<file path=ppt/slides/slide10.xml><?xml version="1.0" encoding="utf-8"?>
+<p:sld xmlns:a="http://schemas.openxmlformats.org/drawingml/2006/main" xmlns:r="http://schemas.openxmlformats.org/officeDocument/2006/relationships" xmlns:p="http://schemas.openxmlformats.org/presentationml/2006/main">
+  <p:cSld>
+    <p:spTree>
+      <p:nvGrpSpPr>
+        <p:cNvPr id="1" name=""/>
+        <p:cNvGrpSpPr/>
+        <p:nvPr/>
+      </p:nvGrpSpPr>
+      <p:grpSpPr>
+        <a:xfrm>
+          <a:off x="0" y="0"/>
+          <a:ext cx="0" cy="0"/>
+          <a:chOff x="0" y="0"/>
+          <a:chExt cx="0" cy="0"/>
+        </a:xfrm>
+      </p:grpSpPr>
+      <p:sp>
+        <p:nvSpPr>
+          <p:cNvPr id="3" name="Text Placeholder 2">
+            <a:extLst>
+              <a:ext uri="{FF2B5EF4-FFF2-40B4-BE49-F238E27FC236}">
+                <a16:creationId xmlns:a16="http://schemas.microsoft.com/office/drawing/2014/main" id="{99F5DBC8-929E-455F-BA07-52462E7B4FC5}"/>
+              </a:ext>
+            </a:extLst>
+          </p:cNvPr>
+          <p:cNvSpPr>
+            <a:spLocks noGrp="1"/>
+          </p:cNvSpPr>
+          <p:nvPr>
+            <p:ph type="body" sz="quarter" idx="10"/>
+          </p:nvPr>
+        </p:nvSpPr>
+        <p:spPr/>
+        <p:txBody>
+          <a:bodyPr/>
+          <a:lstStyle/>
+          <a:p>
+            <a:r>
+              <a:rPr lang="en-US" dirty="0"/>
+              <a:t>system and sys V </a:t>
+            </a:r>
+            <a:r>
+              <a:rPr lang="en-US" dirty="0" err="1"/>
+              <a:t>init</a:t>
+            </a:r>
+            <a:endParaRPr lang="en-US" dirty="0"/>
+          </a:p>
+        </p:txBody>
+      </p:sp>
+      <p:pic>
+        <p:nvPicPr>
+          <p:cNvPr id="2" name="Picture 1">
+            <a:extLst>
+              <a:ext uri="{FF2B5EF4-FFF2-40B4-BE49-F238E27FC236}">
+                <a16:creationId xmlns:a16="http://schemas.microsoft.com/office/drawing/2014/main" id="{F3544C23-3089-8E4F-B986-5E65C143F5E8}"/>
+              </a:ext>
+            </a:extLst>
+          </p:cNvPr>
+          <p:cNvPicPr>
+            <a:picLocks noChangeAspect="1"/>
+          </p:cNvPicPr>
+          <p:nvPr/>
+        </p:nvPicPr>
+        <p:blipFill>
+          <a:blip r:embed="rId2"/>
+          <a:stretch>
+            <a:fillRect/>
+          </a:stretch>
+        </p:blipFill>
+        <p:spPr>
+          <a:xfrm>
+            <a:off x="5362223" y="0"/>
+            <a:ext cx="3642335" cy="6858000"/>
+          </a:xfrm>
+          <a:prstGeom prst="rect">
+            <a:avLst/>
+          </a:prstGeom>
+        </p:spPr>
+      </p:pic>
+      <p:sp>
+        <p:nvSpPr>
+          <p:cNvPr id="4" name="TextBox 3">
+            <a:extLst>
+              <a:ext uri="{FF2B5EF4-FFF2-40B4-BE49-F238E27FC236}">
+                <a16:creationId xmlns:a16="http://schemas.microsoft.com/office/drawing/2014/main" id="{6776EBBF-5927-4D48-A6FE-76C0965526B8}"/>
+              </a:ext>
+            </a:extLst>
+          </p:cNvPr>
+          <p:cNvSpPr txBox="1"/>
+          <p:nvPr/>
+        </p:nvSpPr>
+        <p:spPr>
+          <a:xfrm>
+            <a:off x="428978" y="2020711"/>
+            <a:ext cx="3804355" cy="923330"/>
+          </a:xfrm>
+          <a:prstGeom prst="rect">
+            <a:avLst/>
+          </a:prstGeom>
+          <a:noFill/>
+        </p:spPr>
+        <p:txBody>
+          <a:bodyPr wrap="square" rtlCol="0">
+            <a:spAutoFit/>
+          </a:bodyPr>
+          <a:lstStyle/>
+          <a:p>
+            <a:r>
+              <a:rPr lang="en-GB" dirty="0"/>
+              <a:t>https://</a:t>
+            </a:r>
+            <a:r>
+              <a:rPr lang="en-GB" dirty="0" err="1"/>
+              <a:t>lamiradadelreplicante.com</a:t>
+            </a:r>
+            <a:r>
+              <a:rPr lang="en-GB" dirty="0"/>
+              <a:t>/</a:t>
+            </a:r>
+            <a:r>
+              <a:rPr lang="en-GB" dirty="0" err="1"/>
+              <a:t>wp</a:t>
+            </a:r>
+            <a:r>
+              <a:rPr lang="en-GB" dirty="0"/>
+              <a:t>-content/uploads/2014/09/</a:t>
+            </a:r>
+            <a:r>
+              <a:rPr lang="en-GB" dirty="0" err="1"/>
+              <a:t>systemd</a:t>
+            </a:r>
+            <a:r>
+              <a:rPr lang="en-GB" dirty="0"/>
+              <a:t>-vs-</a:t>
+            </a:r>
+            <a:r>
+              <a:rPr lang="en-GB" dirty="0" err="1"/>
+              <a:t>sysVinit</a:t>
+            </a:r>
+            <a:r>
+              <a:rPr lang="en-GB" dirty="0"/>
+              <a:t>-</a:t>
+            </a:r>
+            <a:r>
+              <a:rPr lang="en-GB" dirty="0" err="1"/>
+              <a:t>chuleta.jpg</a:t>
+            </a:r>
+            <a:endParaRPr lang="en-RU" dirty="0"/>
+          </a:p>
+        </p:txBody>
+      </p:sp>
+      <p:sp>
+        <p:nvSpPr>
+          <p:cNvPr id="5" name="TextBox 4">
+            <a:extLst>
+              <a:ext uri="{FF2B5EF4-FFF2-40B4-BE49-F238E27FC236}">
+                <a16:creationId xmlns:a16="http://schemas.microsoft.com/office/drawing/2014/main" id="{F2B3EF9C-AB44-7041-8F5D-AE9DE9737F91}"/>
+              </a:ext>
+            </a:extLst>
+          </p:cNvPr>
+          <p:cNvSpPr txBox="1"/>
+          <p:nvPr/>
+        </p:nvSpPr>
+        <p:spPr>
+          <a:xfrm>
+            <a:off x="327378" y="3420532"/>
+            <a:ext cx="4549422" cy="646331"/>
+          </a:xfrm>
+          <a:prstGeom prst="rect">
+            <a:avLst/>
+          </a:prstGeom>
+          <a:noFill/>
+        </p:spPr>
+        <p:txBody>
+          <a:bodyPr wrap="square" rtlCol="0">
+            <a:spAutoFit/>
+          </a:bodyPr>
+          <a:lstStyle/>
+          <a:p>
+            <a:r>
+              <a:rPr lang="en-GB" dirty="0"/>
+              <a:t>https://</a:t>
+            </a:r>
+            <a:r>
+              <a:rPr lang="en-GB" dirty="0" err="1"/>
+              <a:t>linoxide.com</a:t>
+            </a:r>
+            <a:r>
+              <a:rPr lang="en-GB" dirty="0"/>
+              <a:t>/</a:t>
+            </a:r>
+            <a:r>
+              <a:rPr lang="en-GB" dirty="0" err="1"/>
+              <a:t>linux</a:t>
+            </a:r>
+            <a:r>
+              <a:rPr lang="en-GB" dirty="0"/>
+              <a:t>-command/</a:t>
+            </a:r>
+            <a:r>
+              <a:rPr lang="en-GB" dirty="0" err="1"/>
+              <a:t>systemd</a:t>
+            </a:r>
+            <a:r>
+              <a:rPr lang="en-GB" dirty="0"/>
+              <a:t>-vs-</a:t>
+            </a:r>
+            <a:r>
+              <a:rPr lang="en-GB" dirty="0" err="1"/>
+              <a:t>sysvinit</a:t>
+            </a:r>
+            <a:r>
+              <a:rPr lang="en-GB" dirty="0"/>
+              <a:t>-</a:t>
+            </a:r>
+            <a:r>
+              <a:rPr lang="en-GB" dirty="0" err="1"/>
+              <a:t>cheatsheet</a:t>
+            </a:r>
+            <a:r>
+              <a:rPr lang="en-GB" dirty="0"/>
+              <a:t>/</a:t>
+            </a:r>
+            <a:endParaRPr lang="en-RU" dirty="0"/>
+          </a:p>
+        </p:txBody>
+      </p:sp>
+      <p:sp>
+        <p:nvSpPr>
+          <p:cNvPr id="6" name="TextBox 5">
+            <a:extLst>
+              <a:ext uri="{FF2B5EF4-FFF2-40B4-BE49-F238E27FC236}">
+                <a16:creationId xmlns:a16="http://schemas.microsoft.com/office/drawing/2014/main" id="{0B225E66-0469-254A-B23F-143210C948C2}"/>
+              </a:ext>
+            </a:extLst>
+          </p:cNvPr>
+          <p:cNvSpPr txBox="1"/>
+          <p:nvPr/>
+        </p:nvSpPr>
+        <p:spPr>
+          <a:xfrm>
+            <a:off x="1128889" y="4684889"/>
+            <a:ext cx="3449406" cy="369332"/>
+          </a:xfrm>
+          <a:prstGeom prst="rect">
+            <a:avLst/>
+          </a:prstGeom>
+          <a:noFill/>
+        </p:spPr>
+        <p:txBody>
+          <a:bodyPr wrap="none" rtlCol="0">
+            <a:spAutoFit/>
+          </a:bodyPr>
+          <a:lstStyle/>
+          <a:p>
+            <a:r>
+              <a:rPr lang="en-GB" dirty="0"/>
+              <a:t>https://</a:t>
+            </a:r>
+            <a:r>
+              <a:rPr lang="en-GB" dirty="0" err="1"/>
+              <a:t>habr.com</a:t>
+            </a:r>
+            <a:r>
+              <a:rPr lang="en-GB" dirty="0"/>
+              <a:t>/</a:t>
+            </a:r>
+            <a:r>
+              <a:rPr lang="en-GB" dirty="0" err="1"/>
+              <a:t>ru</a:t>
+            </a:r>
+            <a:r>
+              <a:rPr lang="en-GB" dirty="0"/>
+              <a:t>/post/307958/</a:t>
+            </a:r>
+            <a:endParaRPr lang="en-RU" dirty="0"/>
+          </a:p>
+        </p:txBody>
+      </p:sp>
+    </p:spTree>
+    <p:extLst>
+      <p:ext uri="{BB962C8B-B14F-4D97-AF65-F5344CB8AC3E}">
+        <p14:creationId xmlns:p14="http://schemas.microsoft.com/office/powerpoint/2010/main" val="792314219"/>
+      </p:ext>
+    </p:extLst>
+  </p:cSld>
+  <p:clrMapOvr>
+    <a:masterClrMapping/>
+  </p:clrMapOvr>
+</p:sld>
+</file>
+
+<file path=ppt/slides/slide11.xml><?xml version="1.0" encoding="utf-8"?>
+<p:sld xmlns:a="http://schemas.openxmlformats.org/drawingml/2006/main" xmlns:r="http://schemas.openxmlformats.org/officeDocument/2006/relationships" xmlns:p="http://schemas.openxmlformats.org/presentationml/2006/main">
+  <p:cSld>
+    <p:spTree>
+      <p:nvGrpSpPr>
+        <p:cNvPr id="1" name=""/>
+        <p:cNvGrpSpPr/>
+        <p:nvPr/>
+      </p:nvGrpSpPr>
+      <p:grpSpPr>
+        <a:xfrm>
+          <a:off x="0" y="0"/>
+          <a:ext cx="0" cy="0"/>
+          <a:chOff x="0" y="0"/>
+          <a:chExt cx="0" cy="0"/>
+        </a:xfrm>
+      </p:grpSpPr>
+      <p:sp>
+        <p:nvSpPr>
+          <p:cNvPr id="3" name="Text Placeholder 2">
+            <a:extLst>
+              <a:ext uri="{FF2B5EF4-FFF2-40B4-BE49-F238E27FC236}">
+                <a16:creationId xmlns:a16="http://schemas.microsoft.com/office/drawing/2014/main" id="{99F5DBC8-929E-455F-BA07-52462E7B4FC5}"/>
+              </a:ext>
+            </a:extLst>
+          </p:cNvPr>
+          <p:cNvSpPr>
+            <a:spLocks noGrp="1"/>
+          </p:cNvSpPr>
+          <p:nvPr>
+            <p:ph type="body" sz="quarter" idx="10"/>
+          </p:nvPr>
+        </p:nvSpPr>
+        <p:spPr/>
+        <p:txBody>
+          <a:bodyPr/>
+          <a:lstStyle/>
+          <a:p>
+            <a:r>
+              <a:rPr lang="en-US" dirty="0"/>
+              <a:t>system unit</a:t>
+            </a:r>
+          </a:p>
+        </p:txBody>
+      </p:sp>
+      <p:sp>
+        <p:nvSpPr>
+          <p:cNvPr id="7" name="TextBox 6">
+            <a:extLst>
+              <a:ext uri="{FF2B5EF4-FFF2-40B4-BE49-F238E27FC236}">
+                <a16:creationId xmlns:a16="http://schemas.microsoft.com/office/drawing/2014/main" id="{53D065CE-1554-7A49-A3A3-45F33AA185B0}"/>
+              </a:ext>
+            </a:extLst>
+          </p:cNvPr>
+          <p:cNvSpPr txBox="1"/>
+          <p:nvPr/>
+        </p:nvSpPr>
+        <p:spPr>
+          <a:xfrm>
+            <a:off x="259645" y="1343377"/>
+            <a:ext cx="4696177" cy="2585323"/>
+          </a:xfrm>
+          <a:prstGeom prst="rect">
+            <a:avLst/>
+          </a:prstGeom>
+          <a:noFill/>
+        </p:spPr>
+        <p:txBody>
+          <a:bodyPr wrap="square" rtlCol="0">
+            <a:spAutoFit/>
+          </a:bodyPr>
+          <a:lstStyle/>
+          <a:p>
+            <a:r>
+              <a:rPr lang="en-GB" dirty="0"/>
+              <a:t>A unit file is a plain text </a:t>
+            </a:r>
+            <a:r>
+              <a:rPr lang="en-GB" dirty="0" err="1"/>
+              <a:t>ini</a:t>
+            </a:r>
+            <a:r>
+              <a:rPr lang="en-GB" dirty="0"/>
+              <a:t>-style file that encodes information about a service, a socket, a device, a mount point, an automount point, a swap file or partition, a start-up target, a watched file system path, a timer controlled and supervised by </a:t>
+            </a:r>
+            <a:r>
+              <a:rPr lang="en-GB" b="1" dirty="0" err="1"/>
+              <a:t>systemd</a:t>
+            </a:r>
+            <a:r>
+              <a:rPr lang="en-GB" dirty="0"/>
+              <a:t>(1), a resource management slice or a group of externally created processes. See </a:t>
+            </a:r>
+            <a:r>
+              <a:rPr lang="en-GB" b="1" dirty="0" err="1"/>
+              <a:t>systemd.syntax</a:t>
+            </a:r>
+            <a:r>
+              <a:rPr lang="en-GB" dirty="0"/>
+              <a:t>(5) for a general description of the syntax.</a:t>
+            </a:r>
+          </a:p>
+        </p:txBody>
+      </p:sp>
+      <p:sp>
+        <p:nvSpPr>
+          <p:cNvPr id="8" name="TextBox 7">
+            <a:extLst>
+              <a:ext uri="{FF2B5EF4-FFF2-40B4-BE49-F238E27FC236}">
+                <a16:creationId xmlns:a16="http://schemas.microsoft.com/office/drawing/2014/main" id="{6EBA9C78-E6FA-F34A-8197-7E0E8FC3698E}"/>
+              </a:ext>
+            </a:extLst>
+          </p:cNvPr>
+          <p:cNvSpPr txBox="1"/>
+          <p:nvPr/>
+        </p:nvSpPr>
+        <p:spPr>
+          <a:xfrm>
+            <a:off x="5046133" y="932688"/>
+            <a:ext cx="7823200" cy="5632311"/>
+          </a:xfrm>
+          <a:prstGeom prst="rect">
+            <a:avLst/>
+          </a:prstGeom>
+          <a:noFill/>
+        </p:spPr>
+        <p:txBody>
+          <a:bodyPr wrap="square" rtlCol="0">
+            <a:spAutoFit/>
+          </a:bodyPr>
+          <a:lstStyle/>
+          <a:p>
+            <a:r>
+              <a:rPr lang="en-GB" dirty="0"/>
+              <a:t>[Unit]</a:t>
+            </a:r>
+          </a:p>
+          <a:p>
+            <a:r>
+              <a:rPr lang="en-GB" dirty="0"/>
+              <a:t>Description=OpenSSH server daemon</a:t>
+            </a:r>
+          </a:p>
+          <a:p>
+            <a:r>
+              <a:rPr lang="en-GB" dirty="0"/>
+              <a:t>Documentation=</a:t>
+            </a:r>
+            <a:r>
+              <a:rPr lang="en-GB" dirty="0" err="1"/>
+              <a:t>man:sshd</a:t>
+            </a:r>
+            <a:r>
+              <a:rPr lang="en-GB" dirty="0"/>
+              <a:t>(8) </a:t>
+            </a:r>
+            <a:r>
+              <a:rPr lang="en-GB" dirty="0" err="1"/>
+              <a:t>man:sshd_config</a:t>
+            </a:r>
+            <a:r>
+              <a:rPr lang="en-GB" dirty="0"/>
+              <a:t>(5)</a:t>
+            </a:r>
+          </a:p>
+          <a:p>
+            <a:r>
+              <a:rPr lang="en-GB" dirty="0"/>
+              <a:t>After=</a:t>
+            </a:r>
+            <a:r>
+              <a:rPr lang="en-GB" dirty="0" err="1"/>
+              <a:t>network.target</a:t>
+            </a:r>
+            <a:r>
+              <a:rPr lang="en-GB" dirty="0"/>
+              <a:t> </a:t>
+            </a:r>
+            <a:r>
+              <a:rPr lang="en-GB" dirty="0" err="1"/>
+              <a:t>sshd-keygen.target</a:t>
+            </a:r>
+            <a:endParaRPr lang="en-GB" dirty="0"/>
+          </a:p>
+          <a:p>
+            <a:r>
+              <a:rPr lang="en-GB" dirty="0"/>
+              <a:t>Wants=</a:t>
+            </a:r>
+            <a:r>
+              <a:rPr lang="en-GB" dirty="0" err="1"/>
+              <a:t>sshd-keygen.target</a:t>
+            </a:r>
+            <a:endParaRPr lang="en-GB" dirty="0"/>
+          </a:p>
+          <a:p>
+            <a:br>
+              <a:rPr lang="en-GB" dirty="0"/>
+            </a:br>
+            <a:endParaRPr lang="en-GB" dirty="0"/>
+          </a:p>
+          <a:p>
+            <a:r>
+              <a:rPr lang="en-GB" dirty="0"/>
+              <a:t>[Service]</a:t>
+            </a:r>
+          </a:p>
+          <a:p>
+            <a:r>
+              <a:rPr lang="en-GB" dirty="0"/>
+              <a:t>Type=notify</a:t>
+            </a:r>
+          </a:p>
+          <a:p>
+            <a:r>
+              <a:rPr lang="en-GB" dirty="0" err="1"/>
+              <a:t>EnvironmentFile</a:t>
+            </a:r>
+            <a:r>
+              <a:rPr lang="en-GB" dirty="0"/>
+              <a:t>=-/etc/crypto-policies/back-ends/</a:t>
+            </a:r>
+            <a:r>
+              <a:rPr lang="en-GB" dirty="0" err="1"/>
+              <a:t>opensshserver.config</a:t>
+            </a:r>
+            <a:endParaRPr lang="en-GB" dirty="0"/>
+          </a:p>
+          <a:p>
+            <a:r>
+              <a:rPr lang="en-GB" dirty="0" err="1"/>
+              <a:t>EnvironmentFile</a:t>
+            </a:r>
+            <a:r>
+              <a:rPr lang="en-GB" dirty="0"/>
+              <a:t>=-/etc/</a:t>
+            </a:r>
+            <a:r>
+              <a:rPr lang="en-GB" dirty="0" err="1"/>
+              <a:t>sysconfig</a:t>
+            </a:r>
+            <a:r>
+              <a:rPr lang="en-GB" dirty="0"/>
+              <a:t>/</a:t>
+            </a:r>
+            <a:r>
+              <a:rPr lang="en-GB" dirty="0" err="1"/>
+              <a:t>sshd</a:t>
+            </a:r>
+            <a:endParaRPr lang="en-GB" dirty="0"/>
+          </a:p>
+          <a:p>
+            <a:r>
+              <a:rPr lang="en-GB" dirty="0" err="1"/>
+              <a:t>ExecStart</a:t>
+            </a:r>
+            <a:r>
+              <a:rPr lang="en-GB" dirty="0"/>
+              <a:t>=/</a:t>
+            </a:r>
+            <a:r>
+              <a:rPr lang="en-GB" dirty="0" err="1"/>
+              <a:t>usr</a:t>
+            </a:r>
+            <a:r>
+              <a:rPr lang="en-GB" dirty="0"/>
+              <a:t>/</a:t>
+            </a:r>
+            <a:r>
+              <a:rPr lang="en-GB" dirty="0" err="1"/>
+              <a:t>sbin</a:t>
+            </a:r>
+            <a:r>
+              <a:rPr lang="en-GB" dirty="0"/>
+              <a:t>/</a:t>
+            </a:r>
+            <a:r>
+              <a:rPr lang="en-GB" dirty="0" err="1"/>
+              <a:t>sshd</a:t>
+            </a:r>
+            <a:r>
+              <a:rPr lang="en-GB" dirty="0"/>
+              <a:t> -D $OPTIONS $CRYPTO_POLICY</a:t>
+            </a:r>
+          </a:p>
+          <a:p>
+            <a:r>
+              <a:rPr lang="en-GB" dirty="0" err="1"/>
+              <a:t>ExecReload</a:t>
+            </a:r>
+            <a:r>
+              <a:rPr lang="en-GB" dirty="0"/>
+              <a:t>=/bin/kill -HUP $MAINPID</a:t>
+            </a:r>
+          </a:p>
+          <a:p>
+            <a:r>
+              <a:rPr lang="en-GB" dirty="0" err="1"/>
+              <a:t>KillMode</a:t>
+            </a:r>
+            <a:r>
+              <a:rPr lang="en-GB" dirty="0"/>
+              <a:t>=process</a:t>
+            </a:r>
+          </a:p>
+          <a:p>
+            <a:r>
+              <a:rPr lang="en-GB" dirty="0"/>
+              <a:t>Restart=on-failure</a:t>
+            </a:r>
+          </a:p>
+          <a:p>
+            <a:r>
+              <a:rPr lang="en-GB" dirty="0" err="1"/>
+              <a:t>RestartSec</a:t>
+            </a:r>
+            <a:r>
+              <a:rPr lang="en-GB" dirty="0"/>
+              <a:t>=42s</a:t>
+            </a:r>
+          </a:p>
+          <a:p>
+            <a:br>
+              <a:rPr lang="en-GB" dirty="0"/>
+            </a:br>
+            <a:endParaRPr lang="en-GB" dirty="0"/>
+          </a:p>
+          <a:p>
+            <a:r>
+              <a:rPr lang="en-GB" dirty="0"/>
+              <a:t>[Install]</a:t>
+            </a:r>
+          </a:p>
+          <a:p>
+            <a:r>
+              <a:rPr lang="en-GB" dirty="0" err="1"/>
+              <a:t>WantedBy</a:t>
+            </a:r>
+            <a:r>
+              <a:rPr lang="en-GB" dirty="0"/>
+              <a:t>=multi-</a:t>
+            </a:r>
+            <a:r>
+              <a:rPr lang="en-GB" dirty="0" err="1"/>
+              <a:t>user.target</a:t>
+            </a:r>
+            <a:endParaRPr lang="en-GB" dirty="0"/>
+          </a:p>
+        </p:txBody>
+      </p:sp>
+    </p:spTree>
+    <p:extLst>
+      <p:ext uri="{BB962C8B-B14F-4D97-AF65-F5344CB8AC3E}">
+        <p14:creationId xmlns:p14="http://schemas.microsoft.com/office/powerpoint/2010/main" val="1299782550"/>
+      </p:ext>
+    </p:extLst>
+  </p:cSld>
+  <p:clrMapOvr>
+    <a:masterClrMapping/>
+  </p:clrMapOvr>
+</p:sld>
+</file>
+
 <file path=ppt/slides/slide2.xml><?xml version="1.0" encoding="utf-8"?>
 <p:sld xmlns:a="http://schemas.openxmlformats.org/drawingml/2006/main" xmlns:r="http://schemas.openxmlformats.org/officeDocument/2006/relationships" xmlns:p="http://schemas.openxmlformats.org/presentationml/2006/main">
   <p:cSld>
@@ -3725,16 +4390,90 @@
           <a:p>
             <a:r>
               <a:rPr lang="en-US" dirty="0"/>
-              <a:t>grub, </a:t>
-            </a:r>
-            <a:r>
-              <a:rPr lang="en-US" dirty="0" err="1"/>
-              <a:t>lilo</a:t>
-            </a:r>
-            <a:r>
-              <a:rPr lang="en-US" dirty="0"/>
-              <a:t>, etc.</a:t>
-            </a:r>
+              <a:t>Boot process</a:t>
+            </a:r>
+          </a:p>
+        </p:txBody>
+      </p:sp>
+      <p:pic>
+        <p:nvPicPr>
+          <p:cNvPr id="4" name="Picture 3">
+            <a:extLst>
+              <a:ext uri="{FF2B5EF4-FFF2-40B4-BE49-F238E27FC236}">
+                <a16:creationId xmlns:a16="http://schemas.microsoft.com/office/drawing/2014/main" id="{D5EA22A5-8D5A-4648-AF90-BAB02363855B}"/>
+              </a:ext>
+            </a:extLst>
+          </p:cNvPr>
+          <p:cNvPicPr>
+            <a:picLocks noChangeAspect="1"/>
+          </p:cNvPicPr>
+          <p:nvPr/>
+        </p:nvPicPr>
+        <p:blipFill>
+          <a:blip r:embed="rId2"/>
+          <a:stretch>
+            <a:fillRect/>
+          </a:stretch>
+        </p:blipFill>
+        <p:spPr>
+          <a:xfrm>
+            <a:off x="2152650" y="2033410"/>
+            <a:ext cx="7963310" cy="3802945"/>
+          </a:xfrm>
+          <a:prstGeom prst="rect">
+            <a:avLst/>
+          </a:prstGeom>
+        </p:spPr>
+      </p:pic>
+      <p:sp>
+        <p:nvSpPr>
+          <p:cNvPr id="5" name="TextBox 4">
+            <a:extLst>
+              <a:ext uri="{FF2B5EF4-FFF2-40B4-BE49-F238E27FC236}">
+                <a16:creationId xmlns:a16="http://schemas.microsoft.com/office/drawing/2014/main" id="{5C8F7A44-54E4-8949-A655-E55351167C47}"/>
+              </a:ext>
+            </a:extLst>
+          </p:cNvPr>
+          <p:cNvSpPr txBox="1"/>
+          <p:nvPr/>
+        </p:nvSpPr>
+        <p:spPr>
+          <a:xfrm>
+            <a:off x="1049867" y="1207911"/>
+            <a:ext cx="7055136" cy="369332"/>
+          </a:xfrm>
+          <a:prstGeom prst="rect">
+            <a:avLst/>
+          </a:prstGeom>
+          <a:noFill/>
+        </p:spPr>
+        <p:txBody>
+          <a:bodyPr wrap="none" rtlCol="0">
+            <a:spAutoFit/>
+          </a:bodyPr>
+          <a:lstStyle/>
+          <a:p>
+            <a:r>
+              <a:rPr lang="en-GB" dirty="0"/>
+              <a:t>https://</a:t>
+            </a:r>
+            <a:r>
+              <a:rPr lang="en-GB" dirty="0" err="1"/>
+              <a:t>www.golinuxcloud.com</a:t>
+            </a:r>
+            <a:r>
+              <a:rPr lang="en-GB" dirty="0"/>
+              <a:t>/</a:t>
+            </a:r>
+            <a:r>
+              <a:rPr lang="en-GB" dirty="0" err="1"/>
+              <a:t>linux</a:t>
+            </a:r>
+            <a:r>
+              <a:rPr lang="en-GB" dirty="0"/>
+              <a:t>-boot-process-explained-step-detail/</a:t>
+            </a:r>
+            <a:endParaRPr lang="en-RU" dirty="0"/>
           </a:p>
         </p:txBody>
       </p:sp>
@@ -3742,6 +4481,1106 @@
     <p:extLst>
       <p:ext uri="{BB962C8B-B14F-4D97-AF65-F5344CB8AC3E}">
         <p14:creationId xmlns:p14="http://schemas.microsoft.com/office/powerpoint/2010/main" val="2544742122"/>
+      </p:ext>
+    </p:extLst>
+  </p:cSld>
+  <p:clrMapOvr>
+    <a:masterClrMapping/>
+  </p:clrMapOvr>
+</p:sld>
+</file>
+
+<file path=ppt/slides/slide3.xml><?xml version="1.0" encoding="utf-8"?>
+<p:sld xmlns:a="http://schemas.openxmlformats.org/drawingml/2006/main" xmlns:r="http://schemas.openxmlformats.org/officeDocument/2006/relationships" xmlns:p="http://schemas.openxmlformats.org/presentationml/2006/main">
+  <p:cSld>
+    <p:spTree>
+      <p:nvGrpSpPr>
+        <p:cNvPr id="1" name=""/>
+        <p:cNvGrpSpPr/>
+        <p:nvPr/>
+      </p:nvGrpSpPr>
+      <p:grpSpPr>
+        <a:xfrm>
+          <a:off x="0" y="0"/>
+          <a:ext cx="0" cy="0"/>
+          <a:chOff x="0" y="0"/>
+          <a:chExt cx="0" cy="0"/>
+        </a:xfrm>
+      </p:grpSpPr>
+      <p:sp>
+        <p:nvSpPr>
+          <p:cNvPr id="3" name="Text Placeholder 2">
+            <a:extLst>
+              <a:ext uri="{FF2B5EF4-FFF2-40B4-BE49-F238E27FC236}">
+                <a16:creationId xmlns:a16="http://schemas.microsoft.com/office/drawing/2014/main" id="{99F5DBC8-929E-455F-BA07-52462E7B4FC5}"/>
+              </a:ext>
+            </a:extLst>
+          </p:cNvPr>
+          <p:cNvSpPr>
+            <a:spLocks noGrp="1"/>
+          </p:cNvSpPr>
+          <p:nvPr>
+            <p:ph type="body" sz="quarter" idx="10"/>
+          </p:nvPr>
+        </p:nvSpPr>
+        <p:spPr/>
+        <p:txBody>
+          <a:bodyPr/>
+          <a:lstStyle/>
+          <a:p>
+            <a:r>
+              <a:rPr lang="en-US" dirty="0"/>
+              <a:t>grub</a:t>
+            </a:r>
+          </a:p>
+        </p:txBody>
+      </p:sp>
+      <p:pic>
+        <p:nvPicPr>
+          <p:cNvPr id="4" name="Picture 3">
+            <a:extLst>
+              <a:ext uri="{FF2B5EF4-FFF2-40B4-BE49-F238E27FC236}">
+                <a16:creationId xmlns:a16="http://schemas.microsoft.com/office/drawing/2014/main" id="{88CDDB0C-AC1A-4C4F-8AC7-FF39D07E7C9C}"/>
+              </a:ext>
+            </a:extLst>
+          </p:cNvPr>
+          <p:cNvPicPr>
+            <a:picLocks noChangeAspect="1"/>
+          </p:cNvPicPr>
+          <p:nvPr/>
+        </p:nvPicPr>
+        <p:blipFill>
+          <a:blip r:embed="rId2"/>
+          <a:stretch>
+            <a:fillRect/>
+          </a:stretch>
+        </p:blipFill>
+        <p:spPr>
+          <a:xfrm>
+            <a:off x="2770044" y="1470275"/>
+            <a:ext cx="6046578" cy="4727325"/>
+          </a:xfrm>
+          <a:prstGeom prst="rect">
+            <a:avLst/>
+          </a:prstGeom>
+        </p:spPr>
+      </p:pic>
+      <p:sp>
+        <p:nvSpPr>
+          <p:cNvPr id="5" name="TextBox 4">
+            <a:extLst>
+              <a:ext uri="{FF2B5EF4-FFF2-40B4-BE49-F238E27FC236}">
+                <a16:creationId xmlns:a16="http://schemas.microsoft.com/office/drawing/2014/main" id="{B97CE24A-0F64-B248-A8B2-B30C54C2FDE7}"/>
+              </a:ext>
+            </a:extLst>
+          </p:cNvPr>
+          <p:cNvSpPr txBox="1"/>
+          <p:nvPr/>
+        </p:nvSpPr>
+        <p:spPr>
+          <a:xfrm>
+            <a:off x="711083" y="1100943"/>
+            <a:ext cx="4117922" cy="369332"/>
+          </a:xfrm>
+          <a:prstGeom prst="rect">
+            <a:avLst/>
+          </a:prstGeom>
+          <a:noFill/>
+        </p:spPr>
+        <p:txBody>
+          <a:bodyPr wrap="none" rtlCol="0">
+            <a:spAutoFit/>
+          </a:bodyPr>
+          <a:lstStyle/>
+          <a:p>
+            <a:r>
+              <a:rPr lang="en-GB" dirty="0"/>
+              <a:t>https://</a:t>
+            </a:r>
+            <a:r>
+              <a:rPr lang="en-GB" dirty="0" err="1"/>
+              <a:t>en.wikipedia.org</a:t>
+            </a:r>
+            <a:r>
+              <a:rPr lang="en-GB" dirty="0"/>
+              <a:t>/wiki/GNU_GRUB</a:t>
+            </a:r>
+            <a:endParaRPr lang="en-RU" dirty="0"/>
+          </a:p>
+        </p:txBody>
+      </p:sp>
+    </p:spTree>
+    <p:extLst>
+      <p:ext uri="{BB962C8B-B14F-4D97-AF65-F5344CB8AC3E}">
+        <p14:creationId xmlns:p14="http://schemas.microsoft.com/office/powerpoint/2010/main" val="63126698"/>
+      </p:ext>
+    </p:extLst>
+  </p:cSld>
+  <p:clrMapOvr>
+    <a:masterClrMapping/>
+  </p:clrMapOvr>
+</p:sld>
+</file>
+
+<file path=ppt/slides/slide4.xml><?xml version="1.0" encoding="utf-8"?>
+<p:sld xmlns:a="http://schemas.openxmlformats.org/drawingml/2006/main" xmlns:r="http://schemas.openxmlformats.org/officeDocument/2006/relationships" xmlns:p="http://schemas.openxmlformats.org/presentationml/2006/main">
+  <p:cSld>
+    <p:spTree>
+      <p:nvGrpSpPr>
+        <p:cNvPr id="1" name=""/>
+        <p:cNvGrpSpPr/>
+        <p:nvPr/>
+      </p:nvGrpSpPr>
+      <p:grpSpPr>
+        <a:xfrm>
+          <a:off x="0" y="0"/>
+          <a:ext cx="0" cy="0"/>
+          <a:chOff x="0" y="0"/>
+          <a:chExt cx="0" cy="0"/>
+        </a:xfrm>
+      </p:grpSpPr>
+      <p:sp>
+        <p:nvSpPr>
+          <p:cNvPr id="3" name="Text Placeholder 2">
+            <a:extLst>
+              <a:ext uri="{FF2B5EF4-FFF2-40B4-BE49-F238E27FC236}">
+                <a16:creationId xmlns:a16="http://schemas.microsoft.com/office/drawing/2014/main" id="{99F5DBC8-929E-455F-BA07-52462E7B4FC5}"/>
+              </a:ext>
+            </a:extLst>
+          </p:cNvPr>
+          <p:cNvSpPr>
+            <a:spLocks noGrp="1"/>
+          </p:cNvSpPr>
+          <p:nvPr>
+            <p:ph type="body" sz="quarter" idx="10"/>
+          </p:nvPr>
+        </p:nvSpPr>
+        <p:spPr/>
+        <p:txBody>
+          <a:bodyPr/>
+          <a:lstStyle/>
+          <a:p>
+            <a:r>
+              <a:rPr lang="en-US" dirty="0"/>
+              <a:t>/proc/1</a:t>
+            </a:r>
+          </a:p>
+        </p:txBody>
+      </p:sp>
+      <p:sp>
+        <p:nvSpPr>
+          <p:cNvPr id="5" name="TextBox 4">
+            <a:extLst>
+              <a:ext uri="{FF2B5EF4-FFF2-40B4-BE49-F238E27FC236}">
+                <a16:creationId xmlns:a16="http://schemas.microsoft.com/office/drawing/2014/main" id="{AC9BCCE6-B7EB-634B-B537-FBE276077794}"/>
+              </a:ext>
+            </a:extLst>
+          </p:cNvPr>
+          <p:cNvSpPr txBox="1"/>
+          <p:nvPr/>
+        </p:nvSpPr>
+        <p:spPr>
+          <a:xfrm>
+            <a:off x="925689" y="1614311"/>
+            <a:ext cx="4337341" cy="2031325"/>
+          </a:xfrm>
+          <a:prstGeom prst="rect">
+            <a:avLst/>
+          </a:prstGeom>
+          <a:noFill/>
+        </p:spPr>
+        <p:txBody>
+          <a:bodyPr wrap="none" rtlCol="0">
+            <a:spAutoFit/>
+          </a:bodyPr>
+          <a:lstStyle/>
+          <a:p>
+            <a:pPr marL="285750" indent="-285750">
+              <a:buFont typeface="Arial" panose="020B0604020202020204" pitchFamily="34" charset="0"/>
+              <a:buChar char="•"/>
+            </a:pPr>
+            <a:r>
+              <a:rPr lang="en-RU" dirty="0"/>
+              <a:t>adopt orphaned processes</a:t>
+            </a:r>
+          </a:p>
+          <a:p>
+            <a:pPr marL="285750" indent="-285750">
+              <a:buFont typeface="Arial" panose="020B0604020202020204" pitchFamily="34" charset="0"/>
+              <a:buChar char="•"/>
+            </a:pPr>
+            <a:r>
+              <a:rPr lang="en-RU" dirty="0"/>
+              <a:t>initialize os:</a:t>
+            </a:r>
+          </a:p>
+          <a:p>
+            <a:pPr marL="742950" lvl="1" indent="-285750">
+              <a:buFont typeface="Arial" panose="020B0604020202020204" pitchFamily="34" charset="0"/>
+              <a:buChar char="•"/>
+            </a:pPr>
+            <a:r>
+              <a:rPr lang="en-RU" dirty="0"/>
+              <a:t>mount fs (except root)</a:t>
+            </a:r>
+          </a:p>
+          <a:p>
+            <a:pPr marL="742950" lvl="1" indent="-285750">
+              <a:buFont typeface="Arial" panose="020B0604020202020204" pitchFamily="34" charset="0"/>
+              <a:buChar char="•"/>
+            </a:pPr>
+            <a:r>
+              <a:rPr lang="en-RU" dirty="0"/>
+              <a:t>network configuration</a:t>
+            </a:r>
+          </a:p>
+          <a:p>
+            <a:pPr marL="285750" indent="-285750">
+              <a:buFont typeface="Arial" panose="020B0604020202020204" pitchFamily="34" charset="0"/>
+              <a:buChar char="•"/>
+            </a:pPr>
+            <a:r>
+              <a:rPr lang="en-RU" dirty="0"/>
+              <a:t>start daemon processes</a:t>
+            </a:r>
+          </a:p>
+          <a:p>
+            <a:pPr marL="285750" indent="-285750">
+              <a:buFont typeface="Arial" panose="020B0604020202020204" pitchFamily="34" charset="0"/>
+              <a:buChar char="•"/>
+            </a:pPr>
+            <a:r>
+              <a:rPr lang="en-RU" dirty="0"/>
+              <a:t>manage start/stop/reboot/etc (runlevels)</a:t>
+            </a:r>
+          </a:p>
+          <a:p>
+            <a:pPr marL="285750" indent="-285750">
+              <a:buFont typeface="Arial" panose="020B0604020202020204" pitchFamily="34" charset="0"/>
+              <a:buChar char="•"/>
+            </a:pPr>
+            <a:endParaRPr lang="en-RU" dirty="0"/>
+          </a:p>
+        </p:txBody>
+      </p:sp>
+      <p:sp>
+        <p:nvSpPr>
+          <p:cNvPr id="6" name="TextBox 5">
+            <a:extLst>
+              <a:ext uri="{FF2B5EF4-FFF2-40B4-BE49-F238E27FC236}">
+                <a16:creationId xmlns:a16="http://schemas.microsoft.com/office/drawing/2014/main" id="{62F54D1F-50B6-9846-BCC5-1571B25CA383}"/>
+              </a:ext>
+            </a:extLst>
+          </p:cNvPr>
+          <p:cNvSpPr txBox="1"/>
+          <p:nvPr/>
+        </p:nvSpPr>
+        <p:spPr>
+          <a:xfrm>
+            <a:off x="1185333" y="4120444"/>
+            <a:ext cx="9763250" cy="1477328"/>
+          </a:xfrm>
+          <a:prstGeom prst="rect">
+            <a:avLst/>
+          </a:prstGeom>
+          <a:noFill/>
+        </p:spPr>
+        <p:txBody>
+          <a:bodyPr wrap="none" rtlCol="0">
+            <a:spAutoFit/>
+          </a:bodyPr>
+          <a:lstStyle/>
+          <a:p>
+            <a:pPr marL="285750" indent="-285750">
+              <a:buFont typeface="Arial" panose="020B0604020202020204" pitchFamily="34" charset="0"/>
+              <a:buChar char="•"/>
+            </a:pPr>
+            <a:r>
+              <a:rPr lang="en-RU" dirty="0"/>
+              <a:t>BSD init (rc scripts, run command, /sbin/rc)</a:t>
+            </a:r>
+          </a:p>
+          <a:p>
+            <a:pPr marL="285750" indent="-285750">
+              <a:buFont typeface="Arial" panose="020B0604020202020204" pitchFamily="34" charset="0"/>
+              <a:buChar char="•"/>
+            </a:pPr>
+            <a:r>
+              <a:rPr lang="en-RU" dirty="0"/>
+              <a:t>AT&amp;T UNIX System III -&gt; UNIX System V (runlevels, /etc/init.d, /etc/rcN.d)</a:t>
+            </a:r>
+          </a:p>
+          <a:p>
+            <a:pPr marL="285750" indent="-285750">
+              <a:buFont typeface="Arial" panose="020B0604020202020204" pitchFamily="34" charset="0"/>
+              <a:buChar char="•"/>
+            </a:pPr>
+            <a:r>
+              <a:rPr lang="en-RU" dirty="0"/>
+              <a:t>Upstart (parallel startup, events, around sysV)</a:t>
+            </a:r>
+          </a:p>
+          <a:p>
+            <a:pPr marL="285750" indent="-285750">
+              <a:buFont typeface="Arial" panose="020B0604020202020204" pitchFamily="34" charset="0"/>
+              <a:buChar char="•"/>
+            </a:pPr>
+            <a:r>
+              <a:rPr lang="en-RU" dirty="0"/>
+              <a:t>Systemd (!!!) parallel, units, dependencies, sockets/services/etc…, events, dependency independent</a:t>
+            </a:r>
+          </a:p>
+          <a:p>
+            <a:pPr marL="285750" indent="-285750">
+              <a:buFont typeface="Arial" panose="020B0604020202020204" pitchFamily="34" charset="0"/>
+              <a:buChar char="•"/>
+            </a:pPr>
+            <a:endParaRPr lang="en-RU" dirty="0"/>
+          </a:p>
+        </p:txBody>
+      </p:sp>
+    </p:spTree>
+    <p:extLst>
+      <p:ext uri="{BB962C8B-B14F-4D97-AF65-F5344CB8AC3E}">
+        <p14:creationId xmlns:p14="http://schemas.microsoft.com/office/powerpoint/2010/main" val="1126543105"/>
+      </p:ext>
+    </p:extLst>
+  </p:cSld>
+  <p:clrMapOvr>
+    <a:masterClrMapping/>
+  </p:clrMapOvr>
+</p:sld>
+</file>
+
+<file path=ppt/slides/slide5.xml><?xml version="1.0" encoding="utf-8"?>
+<p:sld xmlns:a="http://schemas.openxmlformats.org/drawingml/2006/main" xmlns:r="http://schemas.openxmlformats.org/officeDocument/2006/relationships" xmlns:p="http://schemas.openxmlformats.org/presentationml/2006/main">
+  <p:cSld>
+    <p:spTree>
+      <p:nvGrpSpPr>
+        <p:cNvPr id="1" name=""/>
+        <p:cNvGrpSpPr/>
+        <p:nvPr/>
+      </p:nvGrpSpPr>
+      <p:grpSpPr>
+        <a:xfrm>
+          <a:off x="0" y="0"/>
+          <a:ext cx="0" cy="0"/>
+          <a:chOff x="0" y="0"/>
+          <a:chExt cx="0" cy="0"/>
+        </a:xfrm>
+      </p:grpSpPr>
+      <p:sp>
+        <p:nvSpPr>
+          <p:cNvPr id="3" name="Text Placeholder 2">
+            <a:extLst>
+              <a:ext uri="{FF2B5EF4-FFF2-40B4-BE49-F238E27FC236}">
+                <a16:creationId xmlns:a16="http://schemas.microsoft.com/office/drawing/2014/main" id="{99F5DBC8-929E-455F-BA07-52462E7B4FC5}"/>
+              </a:ext>
+            </a:extLst>
+          </p:cNvPr>
+          <p:cNvSpPr>
+            <a:spLocks noGrp="1"/>
+          </p:cNvSpPr>
+          <p:nvPr>
+            <p:ph type="body" sz="quarter" idx="10"/>
+          </p:nvPr>
+        </p:nvSpPr>
+        <p:spPr/>
+        <p:txBody>
+          <a:bodyPr/>
+          <a:lstStyle/>
+          <a:p>
+            <a:r>
+              <a:rPr lang="en-US" dirty="0" err="1"/>
+              <a:t>init</a:t>
+            </a:r>
+            <a:endParaRPr lang="en-US" dirty="0"/>
+          </a:p>
+        </p:txBody>
+      </p:sp>
+      <p:pic>
+        <p:nvPicPr>
+          <p:cNvPr id="2" name="Picture 1">
+            <a:extLst>
+              <a:ext uri="{FF2B5EF4-FFF2-40B4-BE49-F238E27FC236}">
+                <a16:creationId xmlns:a16="http://schemas.microsoft.com/office/drawing/2014/main" id="{02CEB0F3-9991-D54E-8100-69CED974BC16}"/>
+              </a:ext>
+            </a:extLst>
+          </p:cNvPr>
+          <p:cNvPicPr>
+            <a:picLocks noChangeAspect="1"/>
+          </p:cNvPicPr>
+          <p:nvPr/>
+        </p:nvPicPr>
+        <p:blipFill>
+          <a:blip r:embed="rId2"/>
+          <a:stretch>
+            <a:fillRect/>
+          </a:stretch>
+        </p:blipFill>
+        <p:spPr>
+          <a:xfrm>
+            <a:off x="4086578" y="1060705"/>
+            <a:ext cx="6660480" cy="4990139"/>
+          </a:xfrm>
+          <a:prstGeom prst="rect">
+            <a:avLst/>
+          </a:prstGeom>
+        </p:spPr>
+      </p:pic>
+      <p:sp>
+        <p:nvSpPr>
+          <p:cNvPr id="4" name="TextBox 3">
+            <a:extLst>
+              <a:ext uri="{FF2B5EF4-FFF2-40B4-BE49-F238E27FC236}">
+                <a16:creationId xmlns:a16="http://schemas.microsoft.com/office/drawing/2014/main" id="{BF8FFCAD-FB42-1147-BDD2-4AB26BD388CD}"/>
+              </a:ext>
+            </a:extLst>
+          </p:cNvPr>
+          <p:cNvSpPr txBox="1"/>
+          <p:nvPr/>
+        </p:nvSpPr>
+        <p:spPr>
+          <a:xfrm>
+            <a:off x="248356" y="1286933"/>
+            <a:ext cx="3838222" cy="3970318"/>
+          </a:xfrm>
+          <a:prstGeom prst="rect">
+            <a:avLst/>
+          </a:prstGeom>
+          <a:noFill/>
+        </p:spPr>
+        <p:txBody>
+          <a:bodyPr wrap="square" rtlCol="0">
+            <a:spAutoFit/>
+          </a:bodyPr>
+          <a:lstStyle/>
+          <a:p>
+            <a:r>
+              <a:rPr lang="en-GB" dirty="0"/>
+              <a:t>In </a:t>
+            </a:r>
+            <a:r>
+              <a:rPr lang="en-GB" dirty="0">
+                <a:hlinkClick r:id="rId3" tooltip="Unix"/>
+              </a:rPr>
+              <a:t>Unix</a:t>
+            </a:r>
+            <a:r>
+              <a:rPr lang="en-GB" dirty="0"/>
+              <a:t>-based computer </a:t>
+            </a:r>
+            <a:r>
+              <a:rPr lang="en-GB" dirty="0">
+                <a:hlinkClick r:id="rId4" tooltip="Operating system"/>
+              </a:rPr>
+              <a:t>operating systems</a:t>
+            </a:r>
+            <a:r>
+              <a:rPr lang="en-GB" dirty="0"/>
+              <a:t>, </a:t>
+            </a:r>
+            <a:r>
+              <a:rPr lang="en-GB" b="1" dirty="0" err="1"/>
+              <a:t>init</a:t>
+            </a:r>
+            <a:r>
+              <a:rPr lang="en-GB" dirty="0"/>
+              <a:t> (short for </a:t>
+            </a:r>
+            <a:r>
+              <a:rPr lang="en-GB" i="1" dirty="0"/>
+              <a:t>initialization</a:t>
+            </a:r>
+            <a:r>
+              <a:rPr lang="en-GB" dirty="0"/>
+              <a:t>) is the first </a:t>
+            </a:r>
+            <a:r>
+              <a:rPr lang="en-GB" dirty="0">
+                <a:hlinkClick r:id="rId5" tooltip="Process (computer science)"/>
+              </a:rPr>
+              <a:t>process</a:t>
+            </a:r>
+            <a:r>
+              <a:rPr lang="en-GB" dirty="0"/>
+              <a:t> started during </a:t>
+            </a:r>
+            <a:r>
+              <a:rPr lang="en-GB" dirty="0">
+                <a:hlinkClick r:id="rId6" tooltip="Booting"/>
+              </a:rPr>
+              <a:t>booting</a:t>
+            </a:r>
+            <a:r>
+              <a:rPr lang="en-GB" dirty="0"/>
+              <a:t> of the computer system. Init is a </a:t>
+            </a:r>
+            <a:r>
+              <a:rPr lang="en-GB" dirty="0">
+                <a:hlinkClick r:id="rId7" tooltip="Daemon (computing)"/>
+              </a:rPr>
+              <a:t>daemon</a:t>
+            </a:r>
+            <a:r>
+              <a:rPr lang="en-GB" dirty="0"/>
+              <a:t> process that continues running until the system is shut down. It is the direct or indirect </a:t>
+            </a:r>
+            <a:r>
+              <a:rPr lang="en-GB" dirty="0">
+                <a:hlinkClick r:id="rId8" tooltip="Parent process"/>
+              </a:rPr>
+              <a:t>ancestor</a:t>
+            </a:r>
+            <a:r>
+              <a:rPr lang="en-GB" dirty="0"/>
+              <a:t> of all other processes and automatically adopts all </a:t>
+            </a:r>
+            <a:r>
+              <a:rPr lang="en-GB" dirty="0">
+                <a:hlinkClick r:id="rId9" tooltip="Orphan process"/>
+              </a:rPr>
+              <a:t>orphaned processes</a:t>
+            </a:r>
+            <a:r>
+              <a:rPr lang="en-GB" dirty="0"/>
+              <a:t>. Init is started by the </a:t>
+            </a:r>
+            <a:r>
+              <a:rPr lang="en-GB" dirty="0">
+                <a:hlinkClick r:id="rId10" tooltip="Kernel (computing)"/>
+              </a:rPr>
+              <a:t>kernel</a:t>
+            </a:r>
+            <a:r>
+              <a:rPr lang="en-GB" dirty="0"/>
+              <a:t> during the </a:t>
+            </a:r>
+            <a:r>
+              <a:rPr lang="en-GB" dirty="0">
+                <a:hlinkClick r:id="rId6" tooltip="Booting"/>
+              </a:rPr>
+              <a:t>booting</a:t>
+            </a:r>
+            <a:r>
+              <a:rPr lang="en-GB" dirty="0"/>
+              <a:t> process; a </a:t>
+            </a:r>
+            <a:r>
+              <a:rPr lang="en-GB" dirty="0">
+                <a:hlinkClick r:id="rId11" tooltip="Kernel panic"/>
+              </a:rPr>
+              <a:t>kernel panic</a:t>
+            </a:r>
+            <a:r>
+              <a:rPr lang="en-GB" dirty="0"/>
+              <a:t> will occur if the kernel is unable to start it. Init is typically assigned </a:t>
+            </a:r>
+            <a:r>
+              <a:rPr lang="en-GB" dirty="0">
+                <a:hlinkClick r:id="rId12" tooltip="Process identifier"/>
+              </a:rPr>
+              <a:t>process identifier</a:t>
+            </a:r>
+            <a:r>
+              <a:rPr lang="en-GB" dirty="0"/>
+              <a:t> 1.</a:t>
+            </a:r>
+            <a:endParaRPr lang="en-RU" dirty="0"/>
+          </a:p>
+        </p:txBody>
+      </p:sp>
+    </p:spTree>
+    <p:extLst>
+      <p:ext uri="{BB962C8B-B14F-4D97-AF65-F5344CB8AC3E}">
+        <p14:creationId xmlns:p14="http://schemas.microsoft.com/office/powerpoint/2010/main" val="2199400676"/>
+      </p:ext>
+    </p:extLst>
+  </p:cSld>
+  <p:clrMapOvr>
+    <a:masterClrMapping/>
+  </p:clrMapOvr>
+</p:sld>
+</file>
+
+<file path=ppt/slides/slide6.xml><?xml version="1.0" encoding="utf-8"?>
+<p:sld xmlns:a="http://schemas.openxmlformats.org/drawingml/2006/main" xmlns:r="http://schemas.openxmlformats.org/officeDocument/2006/relationships" xmlns:p="http://schemas.openxmlformats.org/presentationml/2006/main">
+  <p:cSld>
+    <p:spTree>
+      <p:nvGrpSpPr>
+        <p:cNvPr id="1" name=""/>
+        <p:cNvGrpSpPr/>
+        <p:nvPr/>
+      </p:nvGrpSpPr>
+      <p:grpSpPr>
+        <a:xfrm>
+          <a:off x="0" y="0"/>
+          <a:ext cx="0" cy="0"/>
+          <a:chOff x="0" y="0"/>
+          <a:chExt cx="0" cy="0"/>
+        </a:xfrm>
+      </p:grpSpPr>
+      <p:sp>
+        <p:nvSpPr>
+          <p:cNvPr id="3" name="Text Placeholder 2">
+            <a:extLst>
+              <a:ext uri="{FF2B5EF4-FFF2-40B4-BE49-F238E27FC236}">
+                <a16:creationId xmlns:a16="http://schemas.microsoft.com/office/drawing/2014/main" id="{99F5DBC8-929E-455F-BA07-52462E7B4FC5}"/>
+              </a:ext>
+            </a:extLst>
+          </p:cNvPr>
+          <p:cNvSpPr>
+            <a:spLocks noGrp="1"/>
+          </p:cNvSpPr>
+          <p:nvPr>
+            <p:ph type="body" sz="quarter" idx="10"/>
+          </p:nvPr>
+        </p:nvSpPr>
+        <p:spPr/>
+        <p:txBody>
+          <a:bodyPr/>
+          <a:lstStyle/>
+          <a:p>
+            <a:r>
+              <a:rPr lang="en-US" dirty="0"/>
+              <a:t>sys V </a:t>
+            </a:r>
+            <a:r>
+              <a:rPr lang="en-US" dirty="0" err="1"/>
+              <a:t>init</a:t>
+            </a:r>
+            <a:endParaRPr lang="en-US" dirty="0"/>
+          </a:p>
+        </p:txBody>
+      </p:sp>
+      <p:pic>
+        <p:nvPicPr>
+          <p:cNvPr id="2" name="Picture 1">
+            <a:extLst>
+              <a:ext uri="{FF2B5EF4-FFF2-40B4-BE49-F238E27FC236}">
+                <a16:creationId xmlns:a16="http://schemas.microsoft.com/office/drawing/2014/main" id="{A67221A4-4679-F04C-A02F-5A9D51ACCA95}"/>
+              </a:ext>
+            </a:extLst>
+          </p:cNvPr>
+          <p:cNvPicPr>
+            <a:picLocks noChangeAspect="1"/>
+          </p:cNvPicPr>
+          <p:nvPr/>
+        </p:nvPicPr>
+        <p:blipFill>
+          <a:blip r:embed="rId2"/>
+          <a:stretch>
+            <a:fillRect/>
+          </a:stretch>
+        </p:blipFill>
+        <p:spPr>
+          <a:xfrm>
+            <a:off x="0" y="0"/>
+            <a:ext cx="12192000" cy="6858000"/>
+          </a:xfrm>
+          <a:prstGeom prst="rect">
+            <a:avLst/>
+          </a:prstGeom>
+        </p:spPr>
+      </p:pic>
+      <p:pic>
+        <p:nvPicPr>
+          <p:cNvPr id="4" name="Picture 3">
+            <a:extLst>
+              <a:ext uri="{FF2B5EF4-FFF2-40B4-BE49-F238E27FC236}">
+                <a16:creationId xmlns:a16="http://schemas.microsoft.com/office/drawing/2014/main" id="{EF202E2A-6969-AA4B-B04D-4F57CA5C329D}"/>
+              </a:ext>
+            </a:extLst>
+          </p:cNvPr>
+          <p:cNvPicPr>
+            <a:picLocks noChangeAspect="1"/>
+          </p:cNvPicPr>
+          <p:nvPr/>
+        </p:nvPicPr>
+        <p:blipFill>
+          <a:blip r:embed="rId3"/>
+          <a:stretch>
+            <a:fillRect/>
+          </a:stretch>
+        </p:blipFill>
+        <p:spPr>
+          <a:xfrm>
+            <a:off x="4989687" y="1119532"/>
+            <a:ext cx="6495625" cy="5551624"/>
+          </a:xfrm>
+          <a:prstGeom prst="rect">
+            <a:avLst/>
+          </a:prstGeom>
+        </p:spPr>
+      </p:pic>
+      <p:pic>
+        <p:nvPicPr>
+          <p:cNvPr id="5" name="Picture 4">
+            <a:extLst>
+              <a:ext uri="{FF2B5EF4-FFF2-40B4-BE49-F238E27FC236}">
+                <a16:creationId xmlns:a16="http://schemas.microsoft.com/office/drawing/2014/main" id="{7B6753BC-07AE-4C41-819B-9656235F5685}"/>
+              </a:ext>
+            </a:extLst>
+          </p:cNvPr>
+          <p:cNvPicPr>
+            <a:picLocks noChangeAspect="1"/>
+          </p:cNvPicPr>
+          <p:nvPr/>
+        </p:nvPicPr>
+        <p:blipFill>
+          <a:blip r:embed="rId4"/>
+          <a:stretch>
+            <a:fillRect/>
+          </a:stretch>
+        </p:blipFill>
+        <p:spPr>
+          <a:xfrm>
+            <a:off x="469194" y="1119532"/>
+            <a:ext cx="4051300" cy="2273300"/>
+          </a:xfrm>
+          <a:prstGeom prst="rect">
+            <a:avLst/>
+          </a:prstGeom>
+        </p:spPr>
+      </p:pic>
+    </p:spTree>
+    <p:extLst>
+      <p:ext uri="{BB962C8B-B14F-4D97-AF65-F5344CB8AC3E}">
+        <p14:creationId xmlns:p14="http://schemas.microsoft.com/office/powerpoint/2010/main" val="749332947"/>
+      </p:ext>
+    </p:extLst>
+  </p:cSld>
+  <p:clrMapOvr>
+    <a:masterClrMapping/>
+  </p:clrMapOvr>
+</p:sld>
+</file>
+
+<file path=ppt/slides/slide7.xml><?xml version="1.0" encoding="utf-8"?>
+<p:sld xmlns:a="http://schemas.openxmlformats.org/drawingml/2006/main" xmlns:r="http://schemas.openxmlformats.org/officeDocument/2006/relationships" xmlns:p="http://schemas.openxmlformats.org/presentationml/2006/main">
+  <p:cSld>
+    <p:spTree>
+      <p:nvGrpSpPr>
+        <p:cNvPr id="1" name=""/>
+        <p:cNvGrpSpPr/>
+        <p:nvPr/>
+      </p:nvGrpSpPr>
+      <p:grpSpPr>
+        <a:xfrm>
+          <a:off x="0" y="0"/>
+          <a:ext cx="0" cy="0"/>
+          <a:chOff x="0" y="0"/>
+          <a:chExt cx="0" cy="0"/>
+        </a:xfrm>
+      </p:grpSpPr>
+      <p:sp>
+        <p:nvSpPr>
+          <p:cNvPr id="3" name="Text Placeholder 2">
+            <a:extLst>
+              <a:ext uri="{FF2B5EF4-FFF2-40B4-BE49-F238E27FC236}">
+                <a16:creationId xmlns:a16="http://schemas.microsoft.com/office/drawing/2014/main" id="{99F5DBC8-929E-455F-BA07-52462E7B4FC5}"/>
+              </a:ext>
+            </a:extLst>
+          </p:cNvPr>
+          <p:cNvSpPr>
+            <a:spLocks noGrp="1"/>
+          </p:cNvSpPr>
+          <p:nvPr>
+            <p:ph type="body" sz="quarter" idx="10"/>
+          </p:nvPr>
+        </p:nvSpPr>
+        <p:spPr/>
+        <p:txBody>
+          <a:bodyPr/>
+          <a:lstStyle/>
+          <a:p>
+            <a:r>
+              <a:rPr lang="en-US" dirty="0" err="1"/>
+              <a:t>runlevel</a:t>
+            </a:r>
+            <a:endParaRPr lang="en-US" dirty="0"/>
+          </a:p>
+        </p:txBody>
+      </p:sp>
+      <p:pic>
+        <p:nvPicPr>
+          <p:cNvPr id="6" name="Picture 5">
+            <a:extLst>
+              <a:ext uri="{FF2B5EF4-FFF2-40B4-BE49-F238E27FC236}">
+                <a16:creationId xmlns:a16="http://schemas.microsoft.com/office/drawing/2014/main" id="{A04D55D8-61A5-DB4B-8867-9262BE8A4859}"/>
+              </a:ext>
+            </a:extLst>
+          </p:cNvPr>
+          <p:cNvPicPr>
+            <a:picLocks noChangeAspect="1"/>
+          </p:cNvPicPr>
+          <p:nvPr/>
+        </p:nvPicPr>
+        <p:blipFill>
+          <a:blip r:embed="rId2"/>
+          <a:stretch>
+            <a:fillRect/>
+          </a:stretch>
+        </p:blipFill>
+        <p:spPr>
+          <a:xfrm>
+            <a:off x="4004441" y="1275925"/>
+            <a:ext cx="4382814" cy="4511720"/>
+          </a:xfrm>
+          <a:prstGeom prst="rect">
+            <a:avLst/>
+          </a:prstGeom>
+        </p:spPr>
+      </p:pic>
+    </p:spTree>
+    <p:extLst>
+      <p:ext uri="{BB962C8B-B14F-4D97-AF65-F5344CB8AC3E}">
+        <p14:creationId xmlns:p14="http://schemas.microsoft.com/office/powerpoint/2010/main" val="1474611004"/>
+      </p:ext>
+    </p:extLst>
+  </p:cSld>
+  <p:clrMapOvr>
+    <a:masterClrMapping/>
+  </p:clrMapOvr>
+</p:sld>
+</file>
+
+<file path=ppt/slides/slide8.xml><?xml version="1.0" encoding="utf-8"?>
+<p:sld xmlns:a="http://schemas.openxmlformats.org/drawingml/2006/main" xmlns:r="http://schemas.openxmlformats.org/officeDocument/2006/relationships" xmlns:p="http://schemas.openxmlformats.org/presentationml/2006/main">
+  <p:cSld>
+    <p:spTree>
+      <p:nvGrpSpPr>
+        <p:cNvPr id="1" name=""/>
+        <p:cNvGrpSpPr/>
+        <p:nvPr/>
+      </p:nvGrpSpPr>
+      <p:grpSpPr>
+        <a:xfrm>
+          <a:off x="0" y="0"/>
+          <a:ext cx="0" cy="0"/>
+          <a:chOff x="0" y="0"/>
+          <a:chExt cx="0" cy="0"/>
+        </a:xfrm>
+      </p:grpSpPr>
+      <p:sp>
+        <p:nvSpPr>
+          <p:cNvPr id="3" name="Text Placeholder 2">
+            <a:extLst>
+              <a:ext uri="{FF2B5EF4-FFF2-40B4-BE49-F238E27FC236}">
+                <a16:creationId xmlns:a16="http://schemas.microsoft.com/office/drawing/2014/main" id="{99F5DBC8-929E-455F-BA07-52462E7B4FC5}"/>
+              </a:ext>
+            </a:extLst>
+          </p:cNvPr>
+          <p:cNvSpPr>
+            <a:spLocks noGrp="1"/>
+          </p:cNvSpPr>
+          <p:nvPr>
+            <p:ph type="body" sz="quarter" idx="10"/>
+          </p:nvPr>
+        </p:nvSpPr>
+        <p:spPr/>
+        <p:txBody>
+          <a:bodyPr/>
+          <a:lstStyle/>
+          <a:p>
+            <a:r>
+              <a:rPr lang="en-US" dirty="0"/>
+              <a:t>upstart</a:t>
+            </a:r>
+          </a:p>
+        </p:txBody>
+      </p:sp>
+      <p:pic>
+        <p:nvPicPr>
+          <p:cNvPr id="2" name="Picture 1">
+            <a:extLst>
+              <a:ext uri="{FF2B5EF4-FFF2-40B4-BE49-F238E27FC236}">
+                <a16:creationId xmlns:a16="http://schemas.microsoft.com/office/drawing/2014/main" id="{99E9B54D-D7D3-0745-9046-69EF4F96EE06}"/>
+              </a:ext>
+            </a:extLst>
+          </p:cNvPr>
+          <p:cNvPicPr>
+            <a:picLocks noChangeAspect="1"/>
+          </p:cNvPicPr>
+          <p:nvPr/>
+        </p:nvPicPr>
+        <p:blipFill>
+          <a:blip r:embed="rId2"/>
+          <a:stretch>
+            <a:fillRect/>
+          </a:stretch>
+        </p:blipFill>
+        <p:spPr>
+          <a:xfrm>
+            <a:off x="3646311" y="1266384"/>
+            <a:ext cx="5452533" cy="4813564"/>
+          </a:xfrm>
+          <a:prstGeom prst="rect">
+            <a:avLst/>
+          </a:prstGeom>
+        </p:spPr>
+      </p:pic>
+    </p:spTree>
+    <p:extLst>
+      <p:ext uri="{BB962C8B-B14F-4D97-AF65-F5344CB8AC3E}">
+        <p14:creationId xmlns:p14="http://schemas.microsoft.com/office/powerpoint/2010/main" val="3773180800"/>
+      </p:ext>
+    </p:extLst>
+  </p:cSld>
+  <p:clrMapOvr>
+    <a:masterClrMapping/>
+  </p:clrMapOvr>
+</p:sld>
+</file>
+
+<file path=ppt/slides/slide9.xml><?xml version="1.0" encoding="utf-8"?>
+<p:sld xmlns:a="http://schemas.openxmlformats.org/drawingml/2006/main" xmlns:r="http://schemas.openxmlformats.org/officeDocument/2006/relationships" xmlns:p="http://schemas.openxmlformats.org/presentationml/2006/main">
+  <p:cSld>
+    <p:spTree>
+      <p:nvGrpSpPr>
+        <p:cNvPr id="1" name=""/>
+        <p:cNvGrpSpPr/>
+        <p:nvPr/>
+      </p:nvGrpSpPr>
+      <p:grpSpPr>
+        <a:xfrm>
+          <a:off x="0" y="0"/>
+          <a:ext cx="0" cy="0"/>
+          <a:chOff x="0" y="0"/>
+          <a:chExt cx="0" cy="0"/>
+        </a:xfrm>
+      </p:grpSpPr>
+      <p:sp>
+        <p:nvSpPr>
+          <p:cNvPr id="3" name="Text Placeholder 2">
+            <a:extLst>
+              <a:ext uri="{FF2B5EF4-FFF2-40B4-BE49-F238E27FC236}">
+                <a16:creationId xmlns:a16="http://schemas.microsoft.com/office/drawing/2014/main" id="{99F5DBC8-929E-455F-BA07-52462E7B4FC5}"/>
+              </a:ext>
+            </a:extLst>
+          </p:cNvPr>
+          <p:cNvSpPr>
+            <a:spLocks noGrp="1"/>
+          </p:cNvSpPr>
+          <p:nvPr>
+            <p:ph type="body" sz="quarter" idx="10"/>
+          </p:nvPr>
+        </p:nvSpPr>
+        <p:spPr/>
+        <p:txBody>
+          <a:bodyPr/>
+          <a:lstStyle/>
+          <a:p>
+            <a:r>
+              <a:rPr lang="en-US" dirty="0" err="1"/>
+              <a:t>systemd</a:t>
+            </a:r>
+            <a:endParaRPr lang="en-US" dirty="0"/>
+          </a:p>
+        </p:txBody>
+      </p:sp>
+      <p:pic>
+        <p:nvPicPr>
+          <p:cNvPr id="2" name="Picture 1">
+            <a:extLst>
+              <a:ext uri="{FF2B5EF4-FFF2-40B4-BE49-F238E27FC236}">
+                <a16:creationId xmlns:a16="http://schemas.microsoft.com/office/drawing/2014/main" id="{36D25B08-594F-FF45-8F41-22B4463A0ED7}"/>
+              </a:ext>
+            </a:extLst>
+          </p:cNvPr>
+          <p:cNvPicPr>
+            <a:picLocks noChangeAspect="1"/>
+          </p:cNvPicPr>
+          <p:nvPr/>
+        </p:nvPicPr>
+        <p:blipFill>
+          <a:blip r:embed="rId2"/>
+          <a:stretch>
+            <a:fillRect/>
+          </a:stretch>
+        </p:blipFill>
+        <p:spPr>
+          <a:xfrm>
+            <a:off x="2005157" y="1290204"/>
+            <a:ext cx="8036690" cy="4511505"/>
+          </a:xfrm>
+          <a:prstGeom prst="rect">
+            <a:avLst/>
+          </a:prstGeom>
+        </p:spPr>
+      </p:pic>
+      <p:sp>
+        <p:nvSpPr>
+          <p:cNvPr id="4" name="TextBox 3">
+            <a:extLst>
+              <a:ext uri="{FF2B5EF4-FFF2-40B4-BE49-F238E27FC236}">
+                <a16:creationId xmlns:a16="http://schemas.microsoft.com/office/drawing/2014/main" id="{7F18331A-CC52-9B4E-86E0-DF99556AF1C8}"/>
+              </a:ext>
+            </a:extLst>
+          </p:cNvPr>
+          <p:cNvSpPr txBox="1"/>
+          <p:nvPr/>
+        </p:nvSpPr>
+        <p:spPr>
+          <a:xfrm>
+            <a:off x="248356" y="5817303"/>
+            <a:ext cx="10250311" cy="923330"/>
+          </a:xfrm>
+          <a:prstGeom prst="rect">
+            <a:avLst/>
+          </a:prstGeom>
+          <a:noFill/>
+        </p:spPr>
+        <p:txBody>
+          <a:bodyPr wrap="square" rtlCol="0">
+            <a:spAutoFit/>
+          </a:bodyPr>
+          <a:lstStyle/>
+          <a:p>
+            <a:r>
+              <a:rPr lang="en-GB" dirty="0"/>
+              <a:t>https://</a:t>
+            </a:r>
+            <a:r>
+              <a:rPr lang="en-GB" dirty="0" err="1"/>
+              <a:t>access.redhat.com</a:t>
+            </a:r>
+            <a:r>
+              <a:rPr lang="en-GB" dirty="0"/>
+              <a:t>/documentation/</a:t>
+            </a:r>
+            <a:r>
+              <a:rPr lang="en-GB" dirty="0" err="1"/>
+              <a:t>en</a:t>
+            </a:r>
+            <a:r>
+              <a:rPr lang="en-GB" dirty="0"/>
+              <a:t>-us/</a:t>
+            </a:r>
+            <a:r>
+              <a:rPr lang="en-GB" dirty="0" err="1"/>
+              <a:t>red_hat_enterprise_linux</a:t>
+            </a:r>
+            <a:r>
+              <a:rPr lang="en-GB" dirty="0"/>
+              <a:t>/8/html/</a:t>
+            </a:r>
+            <a:r>
+              <a:rPr lang="en-GB" dirty="0" err="1"/>
+              <a:t>configuring_basic_system_settings</a:t>
+            </a:r>
+            <a:r>
+              <a:rPr lang="en-GB" dirty="0"/>
+              <a:t>/managing-services-with-systemd_configuring-basic-system-settings</a:t>
+            </a:r>
+            <a:endParaRPr lang="en-RU" dirty="0"/>
+          </a:p>
+        </p:txBody>
+      </p:sp>
+    </p:spTree>
+    <p:extLst>
+      <p:ext uri="{BB962C8B-B14F-4D97-AF65-F5344CB8AC3E}">
+        <p14:creationId xmlns:p14="http://schemas.microsoft.com/office/powerpoint/2010/main" val="3497776989"/>
       </p:ext>
     </p:extLst>
   </p:cSld>

--- a/LinuxAdm/LinuxAdm4.pptx
+++ b/LinuxAdm/LinuxAdm4.pptx
@@ -7,15 +7,16 @@
   <p:sldIdLst>
     <p:sldId id="256" r:id="rId2"/>
     <p:sldId id="384" r:id="rId3"/>
-    <p:sldId id="389" r:id="rId4"/>
-    <p:sldId id="385" r:id="rId5"/>
-    <p:sldId id="393" r:id="rId6"/>
-    <p:sldId id="386" r:id="rId7"/>
-    <p:sldId id="391" r:id="rId8"/>
-    <p:sldId id="387" r:id="rId9"/>
-    <p:sldId id="388" r:id="rId10"/>
-    <p:sldId id="390" r:id="rId11"/>
-    <p:sldId id="392" r:id="rId12"/>
+    <p:sldId id="394" r:id="rId4"/>
+    <p:sldId id="389" r:id="rId5"/>
+    <p:sldId id="385" r:id="rId6"/>
+    <p:sldId id="393" r:id="rId7"/>
+    <p:sldId id="386" r:id="rId8"/>
+    <p:sldId id="391" r:id="rId9"/>
+    <p:sldId id="387" r:id="rId10"/>
+    <p:sldId id="388" r:id="rId11"/>
+    <p:sldId id="390" r:id="rId12"/>
+    <p:sldId id="392" r:id="rId13"/>
   </p:sldIdLst>
   <p:sldSz cx="12192000" cy="6858000"/>
   <p:notesSz cx="6858000" cy="9144000"/>
@@ -271,7 +272,7 @@
           <a:p>
             <a:fld id="{052ECE81-C73C-E543-9046-300010F65159}" type="datetimeFigureOut">
               <a:rPr lang="en-RU" smtClean="0"/>
-              <a:t>28.12.2020</a:t>
+              <a:t>13.01.2021</a:t>
             </a:fld>
             <a:endParaRPr lang="en-RU"/>
           </a:p>
@@ -471,7 +472,7 @@
           <a:p>
             <a:fld id="{052ECE81-C73C-E543-9046-300010F65159}" type="datetimeFigureOut">
               <a:rPr lang="en-RU" smtClean="0"/>
-              <a:t>28.12.2020</a:t>
+              <a:t>13.01.2021</a:t>
             </a:fld>
             <a:endParaRPr lang="en-RU"/>
           </a:p>
@@ -681,7 +682,7 @@
           <a:p>
             <a:fld id="{052ECE81-C73C-E543-9046-300010F65159}" type="datetimeFigureOut">
               <a:rPr lang="en-RU" smtClean="0"/>
-              <a:t>28.12.2020</a:t>
+              <a:t>13.01.2021</a:t>
             </a:fld>
             <a:endParaRPr lang="en-RU"/>
           </a:p>
@@ -1148,7 +1149,7 @@
           <a:p>
             <a:fld id="{052ECE81-C73C-E543-9046-300010F65159}" type="datetimeFigureOut">
               <a:rPr lang="en-RU" smtClean="0"/>
-              <a:t>28.12.2020</a:t>
+              <a:t>13.01.2021</a:t>
             </a:fld>
             <a:endParaRPr lang="en-RU"/>
           </a:p>
@@ -1424,7 +1425,7 @@
           <a:p>
             <a:fld id="{052ECE81-C73C-E543-9046-300010F65159}" type="datetimeFigureOut">
               <a:rPr lang="en-RU" smtClean="0"/>
-              <a:t>28.12.2020</a:t>
+              <a:t>13.01.2021</a:t>
             </a:fld>
             <a:endParaRPr lang="en-RU"/>
           </a:p>
@@ -1692,7 +1693,7 @@
           <a:p>
             <a:fld id="{052ECE81-C73C-E543-9046-300010F65159}" type="datetimeFigureOut">
               <a:rPr lang="en-RU" smtClean="0"/>
-              <a:t>28.12.2020</a:t>
+              <a:t>13.01.2021</a:t>
             </a:fld>
             <a:endParaRPr lang="en-RU"/>
           </a:p>
@@ -2107,7 +2108,7 @@
           <a:p>
             <a:fld id="{052ECE81-C73C-E543-9046-300010F65159}" type="datetimeFigureOut">
               <a:rPr lang="en-RU" smtClean="0"/>
-              <a:t>28.12.2020</a:t>
+              <a:t>13.01.2021</a:t>
             </a:fld>
             <a:endParaRPr lang="en-RU"/>
           </a:p>
@@ -2249,7 +2250,7 @@
           <a:p>
             <a:fld id="{052ECE81-C73C-E543-9046-300010F65159}" type="datetimeFigureOut">
               <a:rPr lang="en-RU" smtClean="0"/>
-              <a:t>28.12.2020</a:t>
+              <a:t>13.01.2021</a:t>
             </a:fld>
             <a:endParaRPr lang="en-RU"/>
           </a:p>
@@ -2362,7 +2363,7 @@
           <a:p>
             <a:fld id="{052ECE81-C73C-E543-9046-300010F65159}" type="datetimeFigureOut">
               <a:rPr lang="en-RU" smtClean="0"/>
-              <a:t>28.12.2020</a:t>
+              <a:t>13.01.2021</a:t>
             </a:fld>
             <a:endParaRPr lang="en-RU"/>
           </a:p>
@@ -2675,7 +2676,7 @@
           <a:p>
             <a:fld id="{052ECE81-C73C-E543-9046-300010F65159}" type="datetimeFigureOut">
               <a:rPr lang="en-RU" smtClean="0"/>
-              <a:t>28.12.2020</a:t>
+              <a:t>13.01.2021</a:t>
             </a:fld>
             <a:endParaRPr lang="en-RU"/>
           </a:p>
@@ -2964,7 +2965,7 @@
           <a:p>
             <a:fld id="{052ECE81-C73C-E543-9046-300010F65159}" type="datetimeFigureOut">
               <a:rPr lang="en-RU" smtClean="0"/>
-              <a:t>28.12.2020</a:t>
+              <a:t>13.01.2021</a:t>
             </a:fld>
             <a:endParaRPr lang="en-RU"/>
           </a:p>
@@ -3207,7 +3208,7 @@
           <a:p>
             <a:fld id="{052ECE81-C73C-E543-9046-300010F65159}" type="datetimeFigureOut">
               <a:rPr lang="en-RU" smtClean="0"/>
-              <a:t>28.12.2020</a:t>
+              <a:t>13.01.2021</a:t>
             </a:fld>
             <a:endParaRPr lang="en-RU"/>
           </a:p>
@@ -3733,6 +3734,163 @@
           <a:lstStyle/>
           <a:p>
             <a:r>
+              <a:rPr lang="en-US" dirty="0" err="1"/>
+              <a:t>systemd</a:t>
+            </a:r>
+            <a:endParaRPr lang="en-US" dirty="0"/>
+          </a:p>
+        </p:txBody>
+      </p:sp>
+      <p:pic>
+        <p:nvPicPr>
+          <p:cNvPr id="2" name="Picture 1">
+            <a:extLst>
+              <a:ext uri="{FF2B5EF4-FFF2-40B4-BE49-F238E27FC236}">
+                <a16:creationId xmlns:a16="http://schemas.microsoft.com/office/drawing/2014/main" id="{36D25B08-594F-FF45-8F41-22B4463A0ED7}"/>
+              </a:ext>
+            </a:extLst>
+          </p:cNvPr>
+          <p:cNvPicPr>
+            <a:picLocks noChangeAspect="1"/>
+          </p:cNvPicPr>
+          <p:nvPr/>
+        </p:nvPicPr>
+        <p:blipFill>
+          <a:blip r:embed="rId2"/>
+          <a:stretch>
+            <a:fillRect/>
+          </a:stretch>
+        </p:blipFill>
+        <p:spPr>
+          <a:xfrm>
+            <a:off x="2005157" y="1290204"/>
+            <a:ext cx="8036690" cy="4511505"/>
+          </a:xfrm>
+          <a:prstGeom prst="rect">
+            <a:avLst/>
+          </a:prstGeom>
+        </p:spPr>
+      </p:pic>
+      <p:sp>
+        <p:nvSpPr>
+          <p:cNvPr id="4" name="TextBox 3">
+            <a:extLst>
+              <a:ext uri="{FF2B5EF4-FFF2-40B4-BE49-F238E27FC236}">
+                <a16:creationId xmlns:a16="http://schemas.microsoft.com/office/drawing/2014/main" id="{7F18331A-CC52-9B4E-86E0-DF99556AF1C8}"/>
+              </a:ext>
+            </a:extLst>
+          </p:cNvPr>
+          <p:cNvSpPr txBox="1"/>
+          <p:nvPr/>
+        </p:nvSpPr>
+        <p:spPr>
+          <a:xfrm>
+            <a:off x="248356" y="5817303"/>
+            <a:ext cx="10250311" cy="923330"/>
+          </a:xfrm>
+          <a:prstGeom prst="rect">
+            <a:avLst/>
+          </a:prstGeom>
+          <a:noFill/>
+        </p:spPr>
+        <p:txBody>
+          <a:bodyPr wrap="square" rtlCol="0">
+            <a:spAutoFit/>
+          </a:bodyPr>
+          <a:lstStyle/>
+          <a:p>
+            <a:r>
+              <a:rPr lang="en-GB" dirty="0"/>
+              <a:t>https://</a:t>
+            </a:r>
+            <a:r>
+              <a:rPr lang="en-GB" dirty="0" err="1"/>
+              <a:t>access.redhat.com</a:t>
+            </a:r>
+            <a:r>
+              <a:rPr lang="en-GB" dirty="0"/>
+              <a:t>/documentation/</a:t>
+            </a:r>
+            <a:r>
+              <a:rPr lang="en-GB" dirty="0" err="1"/>
+              <a:t>en</a:t>
+            </a:r>
+            <a:r>
+              <a:rPr lang="en-GB" dirty="0"/>
+              <a:t>-us/</a:t>
+            </a:r>
+            <a:r>
+              <a:rPr lang="en-GB" dirty="0" err="1"/>
+              <a:t>red_hat_enterprise_linux</a:t>
+            </a:r>
+            <a:r>
+              <a:rPr lang="en-GB" dirty="0"/>
+              <a:t>/8/html/</a:t>
+            </a:r>
+            <a:r>
+              <a:rPr lang="en-GB" dirty="0" err="1"/>
+              <a:t>configuring_basic_system_settings</a:t>
+            </a:r>
+            <a:r>
+              <a:rPr lang="en-GB" dirty="0"/>
+              <a:t>/managing-services-with-systemd_configuring-basic-system-settings</a:t>
+            </a:r>
+            <a:endParaRPr lang="en-RU" dirty="0"/>
+          </a:p>
+        </p:txBody>
+      </p:sp>
+    </p:spTree>
+    <p:extLst>
+      <p:ext uri="{BB962C8B-B14F-4D97-AF65-F5344CB8AC3E}">
+        <p14:creationId xmlns:p14="http://schemas.microsoft.com/office/powerpoint/2010/main" val="3497776989"/>
+      </p:ext>
+    </p:extLst>
+  </p:cSld>
+  <p:clrMapOvr>
+    <a:masterClrMapping/>
+  </p:clrMapOvr>
+</p:sld>
+</file>
+
+<file path=ppt/slides/slide11.xml><?xml version="1.0" encoding="utf-8"?>
+<p:sld xmlns:a="http://schemas.openxmlformats.org/drawingml/2006/main" xmlns:r="http://schemas.openxmlformats.org/officeDocument/2006/relationships" xmlns:p="http://schemas.openxmlformats.org/presentationml/2006/main">
+  <p:cSld>
+    <p:spTree>
+      <p:nvGrpSpPr>
+        <p:cNvPr id="1" name=""/>
+        <p:cNvGrpSpPr/>
+        <p:nvPr/>
+      </p:nvGrpSpPr>
+      <p:grpSpPr>
+        <a:xfrm>
+          <a:off x="0" y="0"/>
+          <a:ext cx="0" cy="0"/>
+          <a:chOff x="0" y="0"/>
+          <a:chExt cx="0" cy="0"/>
+        </a:xfrm>
+      </p:grpSpPr>
+      <p:sp>
+        <p:nvSpPr>
+          <p:cNvPr id="3" name="Text Placeholder 2">
+            <a:extLst>
+              <a:ext uri="{FF2B5EF4-FFF2-40B4-BE49-F238E27FC236}">
+                <a16:creationId xmlns:a16="http://schemas.microsoft.com/office/drawing/2014/main" id="{99F5DBC8-929E-455F-BA07-52462E7B4FC5}"/>
+              </a:ext>
+            </a:extLst>
+          </p:cNvPr>
+          <p:cNvSpPr>
+            <a:spLocks noGrp="1"/>
+          </p:cNvSpPr>
+          <p:nvPr>
+            <p:ph type="body" sz="quarter" idx="10"/>
+          </p:nvPr>
+        </p:nvSpPr>
+        <p:spPr/>
+        <p:txBody>
+          <a:bodyPr/>
+          <a:lstStyle/>
+          <a:p>
+            <a:r>
               <a:rPr lang="en-US" dirty="0"/>
               <a:t>system and sys V </a:t>
             </a:r>
@@ -3987,7 +4145,7 @@
 </p:sld>
 </file>
 
-<file path=ppt/slides/slide11.xml><?xml version="1.0" encoding="utf-8"?>
+<file path=ppt/slides/slide12.xml><?xml version="1.0" encoding="utf-8"?>
 <p:sld xmlns:a="http://schemas.openxmlformats.org/drawingml/2006/main" xmlns:r="http://schemas.openxmlformats.org/officeDocument/2006/relationships" xmlns:p="http://schemas.openxmlformats.org/presentationml/2006/main">
   <p:cSld>
     <p:spTree>
@@ -4530,57 +4688,35 @@
           <a:p>
             <a:r>
               <a:rPr lang="en-US" dirty="0"/>
-              <a:t>grub</a:t>
-            </a:r>
-          </a:p>
-        </p:txBody>
-      </p:sp>
-      <p:pic>
-        <p:nvPicPr>
-          <p:cNvPr id="4" name="Picture 3">
-            <a:extLst>
-              <a:ext uri="{FF2B5EF4-FFF2-40B4-BE49-F238E27FC236}">
-                <a16:creationId xmlns:a16="http://schemas.microsoft.com/office/drawing/2014/main" id="{88CDDB0C-AC1A-4C4F-8AC7-FF39D07E7C9C}"/>
-              </a:ext>
-            </a:extLst>
-          </p:cNvPr>
-          <p:cNvPicPr>
-            <a:picLocks noChangeAspect="1"/>
-          </p:cNvPicPr>
+              <a:t>Boot process</a:t>
+            </a:r>
+            <a:r>
+              <a:rPr lang="ru-RU" dirty="0"/>
+              <a:t> </a:t>
+            </a:r>
+            <a:r>
+              <a:rPr lang="en-US" dirty="0"/>
+              <a:t>components</a:t>
+            </a:r>
+          </a:p>
+        </p:txBody>
+      </p:sp>
+      <p:sp>
+        <p:nvSpPr>
+          <p:cNvPr id="2" name="TextBox 1">
+            <a:extLst>
+              <a:ext uri="{FF2B5EF4-FFF2-40B4-BE49-F238E27FC236}">
+                <a16:creationId xmlns:a16="http://schemas.microsoft.com/office/drawing/2014/main" id="{1A7C07EA-B717-0443-81C0-39849394F8AD}"/>
+              </a:ext>
+            </a:extLst>
+          </p:cNvPr>
+          <p:cNvSpPr txBox="1"/>
           <p:nvPr/>
-        </p:nvPicPr>
-        <p:blipFill>
-          <a:blip r:embed="rId2"/>
-          <a:stretch>
-            <a:fillRect/>
-          </a:stretch>
-        </p:blipFill>
+        </p:nvSpPr>
         <p:spPr>
           <a:xfrm>
-            <a:off x="2770044" y="1470275"/>
-            <a:ext cx="6046578" cy="4727325"/>
-          </a:xfrm>
-          <a:prstGeom prst="rect">
-            <a:avLst/>
-          </a:prstGeom>
-        </p:spPr>
-      </p:pic>
-      <p:sp>
-        <p:nvSpPr>
-          <p:cNvPr id="5" name="TextBox 4">
-            <a:extLst>
-              <a:ext uri="{FF2B5EF4-FFF2-40B4-BE49-F238E27FC236}">
-                <a16:creationId xmlns:a16="http://schemas.microsoft.com/office/drawing/2014/main" id="{B97CE24A-0F64-B248-A8B2-B30C54C2FDE7}"/>
-              </a:ext>
-            </a:extLst>
-          </p:cNvPr>
-          <p:cNvSpPr txBox="1"/>
-          <p:nvPr/>
-        </p:nvSpPr>
-        <p:spPr>
-          <a:xfrm>
-            <a:off x="711083" y="1100943"/>
-            <a:ext cx="4117922" cy="369332"/>
+            <a:off x="903249" y="1683834"/>
+            <a:ext cx="6892143" cy="1477328"/>
           </a:xfrm>
           <a:prstGeom prst="rect">
             <a:avLst/>
@@ -4593,26 +4729,88 @@
           </a:bodyPr>
           <a:lstStyle/>
           <a:p>
-            <a:r>
-              <a:rPr lang="en-GB" dirty="0"/>
-              <a:t>https://</a:t>
+            <a:pPr marL="285750" indent="-285750">
+              <a:buFont typeface="Arial" panose="020B0604020202020204" pitchFamily="34" charset="0"/>
+              <a:buChar char="•"/>
+            </a:pPr>
+            <a:r>
+              <a:rPr lang="en-RU" dirty="0"/>
+              <a:t>kernel - </a:t>
+            </a:r>
+            <a:r>
+              <a:rPr lang="en-GB" dirty="0"/>
+              <a:t>/boot/</a:t>
             </a:r>
             <a:r>
               <a:rPr lang="en-GB" dirty="0" err="1"/>
-              <a:t>en.wikipedia.org</a:t>
-            </a:r>
-            <a:r>
-              <a:rPr lang="en-GB" dirty="0"/>
-              <a:t>/wiki/GNU_GRUB</a:t>
+              <a:t>vmlinuz</a:t>
+            </a:r>
+            <a:r>
+              <a:rPr lang="en-GB" dirty="0"/>
+              <a:t>-*</a:t>
             </a:r>
             <a:endParaRPr lang="en-RU" dirty="0"/>
+          </a:p>
+          <a:p>
+            <a:pPr marL="285750" indent="-285750">
+              <a:buFont typeface="Arial" panose="020B0604020202020204" pitchFamily="34" charset="0"/>
+              <a:buChar char="•"/>
+            </a:pPr>
+            <a:r>
+              <a:rPr lang="en-RU" dirty="0"/>
+              <a:t>initrd (fs), initramfs (cpio archive) - </a:t>
+            </a:r>
+            <a:r>
+              <a:rPr lang="en-GB" dirty="0"/>
+              <a:t>/boot/</a:t>
+            </a:r>
+            <a:r>
+              <a:rPr lang="en-GB" dirty="0" err="1"/>
+              <a:t>initramfs</a:t>
+            </a:r>
+            <a:r>
+              <a:rPr lang="en-GB" dirty="0"/>
+              <a:t>-* - initial </a:t>
+            </a:r>
+            <a:r>
+              <a:rPr lang="en-GB" dirty="0" err="1"/>
+              <a:t>ramdisk</a:t>
+            </a:r>
+            <a:endParaRPr lang="en-RU" dirty="0"/>
+          </a:p>
+          <a:p>
+            <a:pPr marL="285750" indent="-285750">
+              <a:buFont typeface="Arial" panose="020B0604020202020204" pitchFamily="34" charset="0"/>
+              <a:buChar char="•"/>
+            </a:pPr>
+            <a:r>
+              <a:rPr lang="en-RU" dirty="0"/>
+              <a:t>init - /sbin/init or other – main process</a:t>
+            </a:r>
+          </a:p>
+          <a:p>
+            <a:pPr marL="285750" indent="-285750">
+              <a:buFont typeface="Arial" panose="020B0604020202020204" pitchFamily="34" charset="0"/>
+              <a:buChar char="•"/>
+            </a:pPr>
+            <a:endParaRPr lang="en-RU" dirty="0"/>
+          </a:p>
+          <a:p>
+            <a:pPr marL="285750" indent="-285750">
+              <a:buFont typeface="Arial" panose="020B0604020202020204" pitchFamily="34" charset="0"/>
+              <a:buChar char="•"/>
+            </a:pPr>
+            <a:r>
+              <a:rPr lang="en-RU" dirty="0"/>
+              <a:t>root fs /dev/sda|/dev/mapper/lv-root|….</a:t>
+            </a:r>
           </a:p>
         </p:txBody>
       </p:sp>
     </p:spTree>
     <p:extLst>
       <p:ext uri="{BB962C8B-B14F-4D97-AF65-F5344CB8AC3E}">
-        <p14:creationId xmlns:p14="http://schemas.microsoft.com/office/powerpoint/2010/main" val="63126698"/>
+        <p14:creationId xmlns:p14="http://schemas.microsoft.com/office/powerpoint/2010/main" val="2972076227"/>
       </p:ext>
     </p:extLst>
   </p:cSld>
@@ -4662,17 +4860,71 @@
           <a:p>
             <a:r>
               <a:rPr lang="en-US" dirty="0"/>
-              <a:t>/proc/1</a:t>
-            </a:r>
-          </a:p>
-        </p:txBody>
-      </p:sp>
+              <a:t>grub   </a:t>
+            </a:r>
+            <a:r>
+              <a:rPr lang="en-US" dirty="0" err="1"/>
+              <a:t>lilo</a:t>
+            </a:r>
+            <a:r>
+              <a:rPr lang="en-US" dirty="0"/>
+              <a:t> (</a:t>
+            </a:r>
+            <a:r>
+              <a:rPr lang="en-US" dirty="0" err="1"/>
+              <a:t>linux</a:t>
+            </a:r>
+            <a:r>
+              <a:rPr lang="en-US" dirty="0"/>
+              <a:t> loader), </a:t>
+            </a:r>
+            <a:r>
+              <a:rPr lang="en-US" dirty="0" err="1"/>
+              <a:t>syslinux</a:t>
+            </a:r>
+            <a:r>
+              <a:rPr lang="en-US" dirty="0"/>
+              <a:t>…</a:t>
+            </a:r>
+          </a:p>
+        </p:txBody>
+      </p:sp>
+      <p:pic>
+        <p:nvPicPr>
+          <p:cNvPr id="4" name="Picture 3">
+            <a:extLst>
+              <a:ext uri="{FF2B5EF4-FFF2-40B4-BE49-F238E27FC236}">
+                <a16:creationId xmlns:a16="http://schemas.microsoft.com/office/drawing/2014/main" id="{88CDDB0C-AC1A-4C4F-8AC7-FF39D07E7C9C}"/>
+              </a:ext>
+            </a:extLst>
+          </p:cNvPr>
+          <p:cNvPicPr>
+            <a:picLocks noChangeAspect="1"/>
+          </p:cNvPicPr>
+          <p:nvPr/>
+        </p:nvPicPr>
+        <p:blipFill>
+          <a:blip r:embed="rId2"/>
+          <a:stretch>
+            <a:fillRect/>
+          </a:stretch>
+        </p:blipFill>
+        <p:spPr>
+          <a:xfrm>
+            <a:off x="2770044" y="1470275"/>
+            <a:ext cx="6046578" cy="4727325"/>
+          </a:xfrm>
+          <a:prstGeom prst="rect">
+            <a:avLst/>
+          </a:prstGeom>
+        </p:spPr>
+      </p:pic>
       <p:sp>
         <p:nvSpPr>
           <p:cNvPr id="5" name="TextBox 4">
             <a:extLst>
               <a:ext uri="{FF2B5EF4-FFF2-40B4-BE49-F238E27FC236}">
-                <a16:creationId xmlns:a16="http://schemas.microsoft.com/office/drawing/2014/main" id="{AC9BCCE6-B7EB-634B-B537-FBE276077794}"/>
+                <a16:creationId xmlns:a16="http://schemas.microsoft.com/office/drawing/2014/main" id="{B97CE24A-0F64-B248-A8B2-B30C54C2FDE7}"/>
               </a:ext>
             </a:extLst>
           </p:cNvPr>
@@ -4681,8 +4933,8 @@
         </p:nvSpPr>
         <p:spPr>
           <a:xfrm>
-            <a:off x="925689" y="1614311"/>
-            <a:ext cx="4337341" cy="2031325"/>
+            <a:off x="711083" y="1100943"/>
+            <a:ext cx="4117922" cy="369332"/>
           </a:xfrm>
           <a:prstGeom prst="rect">
             <a:avLst/>
@@ -4695,146 +4947,18 @@
           </a:bodyPr>
           <a:lstStyle/>
           <a:p>
-            <a:pPr marL="285750" indent="-285750">
-              <a:buFont typeface="Arial" panose="020B0604020202020204" pitchFamily="34" charset="0"/>
-              <a:buChar char="•"/>
-            </a:pPr>
-            <a:r>
-              <a:rPr lang="en-RU" dirty="0"/>
-              <a:t>adopt orphaned processes</a:t>
-            </a:r>
-          </a:p>
-          <a:p>
-            <a:pPr marL="285750" indent="-285750">
-              <a:buFont typeface="Arial" panose="020B0604020202020204" pitchFamily="34" charset="0"/>
-              <a:buChar char="•"/>
-            </a:pPr>
-            <a:r>
-              <a:rPr lang="en-RU" dirty="0"/>
-              <a:t>initialize os:</a:t>
-            </a:r>
-          </a:p>
-          <a:p>
-            <a:pPr marL="742950" lvl="1" indent="-285750">
-              <a:buFont typeface="Arial" panose="020B0604020202020204" pitchFamily="34" charset="0"/>
-              <a:buChar char="•"/>
-            </a:pPr>
-            <a:r>
-              <a:rPr lang="en-RU" dirty="0"/>
-              <a:t>mount fs (except root)</a:t>
-            </a:r>
-          </a:p>
-          <a:p>
-            <a:pPr marL="742950" lvl="1" indent="-285750">
-              <a:buFont typeface="Arial" panose="020B0604020202020204" pitchFamily="34" charset="0"/>
-              <a:buChar char="•"/>
-            </a:pPr>
-            <a:r>
-              <a:rPr lang="en-RU" dirty="0"/>
-              <a:t>network configuration</a:t>
-            </a:r>
-          </a:p>
-          <a:p>
-            <a:pPr marL="285750" indent="-285750">
-              <a:buFont typeface="Arial" panose="020B0604020202020204" pitchFamily="34" charset="0"/>
-              <a:buChar char="•"/>
-            </a:pPr>
-            <a:r>
-              <a:rPr lang="en-RU" dirty="0"/>
-              <a:t>start daemon processes</a:t>
-            </a:r>
-          </a:p>
-          <a:p>
-            <a:pPr marL="285750" indent="-285750">
-              <a:buFont typeface="Arial" panose="020B0604020202020204" pitchFamily="34" charset="0"/>
-              <a:buChar char="•"/>
-            </a:pPr>
-            <a:r>
-              <a:rPr lang="en-RU" dirty="0"/>
-              <a:t>manage start/stop/reboot/etc (runlevels)</a:t>
-            </a:r>
-          </a:p>
-          <a:p>
-            <a:pPr marL="285750" indent="-285750">
-              <a:buFont typeface="Arial" panose="020B0604020202020204" pitchFamily="34" charset="0"/>
-              <a:buChar char="•"/>
-            </a:pPr>
-            <a:endParaRPr lang="en-RU" dirty="0"/>
-          </a:p>
-        </p:txBody>
-      </p:sp>
-      <p:sp>
-        <p:nvSpPr>
-          <p:cNvPr id="6" name="TextBox 5">
-            <a:extLst>
-              <a:ext uri="{FF2B5EF4-FFF2-40B4-BE49-F238E27FC236}">
-                <a16:creationId xmlns:a16="http://schemas.microsoft.com/office/drawing/2014/main" id="{62F54D1F-50B6-9846-BCC5-1571B25CA383}"/>
-              </a:ext>
-            </a:extLst>
-          </p:cNvPr>
-          <p:cNvSpPr txBox="1"/>
-          <p:nvPr/>
-        </p:nvSpPr>
-        <p:spPr>
-          <a:xfrm>
-            <a:off x="1185333" y="4120444"/>
-            <a:ext cx="9763250" cy="1477328"/>
-          </a:xfrm>
-          <a:prstGeom prst="rect">
-            <a:avLst/>
-          </a:prstGeom>
-          <a:noFill/>
-        </p:spPr>
-        <p:txBody>
-          <a:bodyPr wrap="none" rtlCol="0">
-            <a:spAutoFit/>
-          </a:bodyPr>
-          <a:lstStyle/>
-          <a:p>
-            <a:pPr marL="285750" indent="-285750">
-              <a:buFont typeface="Arial" panose="020B0604020202020204" pitchFamily="34" charset="0"/>
-              <a:buChar char="•"/>
-            </a:pPr>
-            <a:r>
-              <a:rPr lang="en-RU" dirty="0"/>
-              <a:t>BSD init (rc scripts, run command, /sbin/rc)</a:t>
-            </a:r>
-          </a:p>
-          <a:p>
-            <a:pPr marL="285750" indent="-285750">
-              <a:buFont typeface="Arial" panose="020B0604020202020204" pitchFamily="34" charset="0"/>
-              <a:buChar char="•"/>
-            </a:pPr>
-            <a:r>
-              <a:rPr lang="en-RU" dirty="0"/>
-              <a:t>AT&amp;T UNIX System III -&gt; UNIX System V (runlevels, /etc/init.d, /etc/rcN.d)</a:t>
-            </a:r>
-          </a:p>
-          <a:p>
-            <a:pPr marL="285750" indent="-285750">
-              <a:buFont typeface="Arial" panose="020B0604020202020204" pitchFamily="34" charset="0"/>
-              <a:buChar char="•"/>
-            </a:pPr>
-            <a:r>
-              <a:rPr lang="en-RU" dirty="0"/>
-              <a:t>Upstart (parallel startup, events, around sysV)</a:t>
-            </a:r>
-          </a:p>
-          <a:p>
-            <a:pPr marL="285750" indent="-285750">
-              <a:buFont typeface="Arial" panose="020B0604020202020204" pitchFamily="34" charset="0"/>
-              <a:buChar char="•"/>
-            </a:pPr>
-            <a:r>
-              <a:rPr lang="en-RU" dirty="0"/>
-              <a:t>Systemd (!!!) parallel, units, dependencies, sockets/services/etc…, events, dependency independent</a:t>
-            </a:r>
-          </a:p>
-          <a:p>
-            <a:pPr marL="285750" indent="-285750">
-              <a:buFont typeface="Arial" panose="020B0604020202020204" pitchFamily="34" charset="0"/>
-              <a:buChar char="•"/>
-            </a:pPr>
+            <a:r>
+              <a:rPr lang="en-GB" dirty="0"/>
+              <a:t>https://</a:t>
+            </a:r>
+            <a:r>
+              <a:rPr lang="en-GB" dirty="0" err="1"/>
+              <a:t>en.wikipedia.org</a:t>
+            </a:r>
+            <a:r>
+              <a:rPr lang="en-GB" dirty="0"/>
+              <a:t>/wiki/GNU_GRUB</a:t>
+            </a:r>
             <a:endParaRPr lang="en-RU" dirty="0"/>
           </a:p>
         </p:txBody>
@@ -4842,7 +4966,7 @@
     </p:spTree>
     <p:extLst>
       <p:ext uri="{BB962C8B-B14F-4D97-AF65-F5344CB8AC3E}">
-        <p14:creationId xmlns:p14="http://schemas.microsoft.com/office/powerpoint/2010/main" val="1126543105"/>
+        <p14:creationId xmlns:p14="http://schemas.microsoft.com/office/powerpoint/2010/main" val="63126698"/>
       </p:ext>
     </p:extLst>
   </p:cSld>
@@ -4891,6 +5015,236 @@
           <a:lstStyle/>
           <a:p>
             <a:r>
+              <a:rPr lang="en-US" dirty="0"/>
+              <a:t>/proc/1</a:t>
+            </a:r>
+          </a:p>
+        </p:txBody>
+      </p:sp>
+      <p:sp>
+        <p:nvSpPr>
+          <p:cNvPr id="5" name="TextBox 4">
+            <a:extLst>
+              <a:ext uri="{FF2B5EF4-FFF2-40B4-BE49-F238E27FC236}">
+                <a16:creationId xmlns:a16="http://schemas.microsoft.com/office/drawing/2014/main" id="{AC9BCCE6-B7EB-634B-B537-FBE276077794}"/>
+              </a:ext>
+            </a:extLst>
+          </p:cNvPr>
+          <p:cNvSpPr txBox="1"/>
+          <p:nvPr/>
+        </p:nvSpPr>
+        <p:spPr>
+          <a:xfrm>
+            <a:off x="903387" y="1721893"/>
+            <a:ext cx="4337341" cy="2031325"/>
+          </a:xfrm>
+          <a:prstGeom prst="rect">
+            <a:avLst/>
+          </a:prstGeom>
+          <a:noFill/>
+        </p:spPr>
+        <p:txBody>
+          <a:bodyPr wrap="none" rtlCol="0">
+            <a:spAutoFit/>
+          </a:bodyPr>
+          <a:lstStyle/>
+          <a:p>
+            <a:pPr marL="285750" indent="-285750">
+              <a:buFont typeface="Arial" panose="020B0604020202020204" pitchFamily="34" charset="0"/>
+              <a:buChar char="•"/>
+            </a:pPr>
+            <a:r>
+              <a:rPr lang="en-RU" dirty="0"/>
+              <a:t>adopt orphaned processes</a:t>
+            </a:r>
+          </a:p>
+          <a:p>
+            <a:pPr marL="285750" indent="-285750">
+              <a:buFont typeface="Arial" panose="020B0604020202020204" pitchFamily="34" charset="0"/>
+              <a:buChar char="•"/>
+            </a:pPr>
+            <a:r>
+              <a:rPr lang="en-RU" dirty="0"/>
+              <a:t>initialize os:</a:t>
+            </a:r>
+          </a:p>
+          <a:p>
+            <a:pPr marL="742950" lvl="1" indent="-285750">
+              <a:buFont typeface="Arial" panose="020B0604020202020204" pitchFamily="34" charset="0"/>
+              <a:buChar char="•"/>
+            </a:pPr>
+            <a:r>
+              <a:rPr lang="en-RU" dirty="0"/>
+              <a:t>mount fs (except root) /etc/fstab</a:t>
+            </a:r>
+          </a:p>
+          <a:p>
+            <a:pPr marL="742950" lvl="1" indent="-285750">
+              <a:buFont typeface="Arial" panose="020B0604020202020204" pitchFamily="34" charset="0"/>
+              <a:buChar char="•"/>
+            </a:pPr>
+            <a:r>
+              <a:rPr lang="en-RU" dirty="0"/>
+              <a:t>network configuration</a:t>
+            </a:r>
+          </a:p>
+          <a:p>
+            <a:pPr marL="285750" indent="-285750">
+              <a:buFont typeface="Arial" panose="020B0604020202020204" pitchFamily="34" charset="0"/>
+              <a:buChar char="•"/>
+            </a:pPr>
+            <a:r>
+              <a:rPr lang="en-RU" dirty="0"/>
+              <a:t>start daemon processes / services</a:t>
+            </a:r>
+          </a:p>
+          <a:p>
+            <a:pPr marL="285750" indent="-285750">
+              <a:buFont typeface="Arial" panose="020B0604020202020204" pitchFamily="34" charset="0"/>
+              <a:buChar char="•"/>
+            </a:pPr>
+            <a:r>
+              <a:rPr lang="en-RU" dirty="0"/>
+              <a:t>manage start/stop/reboot/etc (runlevels)</a:t>
+            </a:r>
+          </a:p>
+          <a:p>
+            <a:pPr marL="285750" indent="-285750">
+              <a:buFont typeface="Arial" panose="020B0604020202020204" pitchFamily="34" charset="0"/>
+              <a:buChar char="•"/>
+            </a:pPr>
+            <a:endParaRPr lang="en-RU" dirty="0"/>
+          </a:p>
+        </p:txBody>
+      </p:sp>
+      <p:sp>
+        <p:nvSpPr>
+          <p:cNvPr id="6" name="TextBox 5">
+            <a:extLst>
+              <a:ext uri="{FF2B5EF4-FFF2-40B4-BE49-F238E27FC236}">
+                <a16:creationId xmlns:a16="http://schemas.microsoft.com/office/drawing/2014/main" id="{62F54D1F-50B6-9846-BCC5-1571B25CA383}"/>
+              </a:ext>
+            </a:extLst>
+          </p:cNvPr>
+          <p:cNvSpPr txBox="1"/>
+          <p:nvPr/>
+        </p:nvSpPr>
+        <p:spPr>
+          <a:xfrm>
+            <a:off x="1185333" y="4120444"/>
+            <a:ext cx="9763250" cy="1477328"/>
+          </a:xfrm>
+          <a:prstGeom prst="rect">
+            <a:avLst/>
+          </a:prstGeom>
+          <a:noFill/>
+        </p:spPr>
+        <p:txBody>
+          <a:bodyPr wrap="none" rtlCol="0">
+            <a:spAutoFit/>
+          </a:bodyPr>
+          <a:lstStyle/>
+          <a:p>
+            <a:pPr marL="285750" indent="-285750">
+              <a:buFont typeface="Arial" panose="020B0604020202020204" pitchFamily="34" charset="0"/>
+              <a:buChar char="•"/>
+            </a:pPr>
+            <a:r>
+              <a:rPr lang="en-RU" dirty="0"/>
+              <a:t>BSD init (rc scripts, run command, /sbin/rc)</a:t>
+            </a:r>
+          </a:p>
+          <a:p>
+            <a:pPr marL="285750" indent="-285750">
+              <a:buFont typeface="Arial" panose="020B0604020202020204" pitchFamily="34" charset="0"/>
+              <a:buChar char="•"/>
+            </a:pPr>
+            <a:r>
+              <a:rPr lang="en-RU" dirty="0"/>
+              <a:t>AT&amp;T UNIX System III -&gt; UNIX System V (runlevels, /etc/init.d, /etc/rcN.d, /sbin/init, /etc/inittab)</a:t>
+            </a:r>
+          </a:p>
+          <a:p>
+            <a:pPr marL="285750" indent="-285750">
+              <a:buFont typeface="Arial" panose="020B0604020202020204" pitchFamily="34" charset="0"/>
+              <a:buChar char="•"/>
+            </a:pPr>
+            <a:r>
+              <a:rPr lang="en-RU" dirty="0"/>
+              <a:t>Upstart (parallel startup, events, around sysV)</a:t>
+            </a:r>
+          </a:p>
+          <a:p>
+            <a:pPr marL="285750" indent="-285750">
+              <a:buFont typeface="Arial" panose="020B0604020202020204" pitchFamily="34" charset="0"/>
+              <a:buChar char="•"/>
+            </a:pPr>
+            <a:r>
+              <a:rPr lang="en-RU" dirty="0"/>
+              <a:t>Systemd (!!!) parallel, units, dependencies, sockets/services/etc…, events, dependency independent</a:t>
+            </a:r>
+          </a:p>
+          <a:p>
+            <a:pPr marL="285750" indent="-285750">
+              <a:buFont typeface="Arial" panose="020B0604020202020204" pitchFamily="34" charset="0"/>
+              <a:buChar char="•"/>
+            </a:pPr>
+            <a:endParaRPr lang="en-RU" dirty="0"/>
+          </a:p>
+        </p:txBody>
+      </p:sp>
+    </p:spTree>
+    <p:extLst>
+      <p:ext uri="{BB962C8B-B14F-4D97-AF65-F5344CB8AC3E}">
+        <p14:creationId xmlns:p14="http://schemas.microsoft.com/office/powerpoint/2010/main" val="1126543105"/>
+      </p:ext>
+    </p:extLst>
+  </p:cSld>
+  <p:clrMapOvr>
+    <a:masterClrMapping/>
+  </p:clrMapOvr>
+</p:sld>
+</file>
+
+<file path=ppt/slides/slide6.xml><?xml version="1.0" encoding="utf-8"?>
+<p:sld xmlns:a="http://schemas.openxmlformats.org/drawingml/2006/main" xmlns:r="http://schemas.openxmlformats.org/officeDocument/2006/relationships" xmlns:p="http://schemas.openxmlformats.org/presentationml/2006/main">
+  <p:cSld>
+    <p:spTree>
+      <p:nvGrpSpPr>
+        <p:cNvPr id="1" name=""/>
+        <p:cNvGrpSpPr/>
+        <p:nvPr/>
+      </p:nvGrpSpPr>
+      <p:grpSpPr>
+        <a:xfrm>
+          <a:off x="0" y="0"/>
+          <a:ext cx="0" cy="0"/>
+          <a:chOff x="0" y="0"/>
+          <a:chExt cx="0" cy="0"/>
+        </a:xfrm>
+      </p:grpSpPr>
+      <p:sp>
+        <p:nvSpPr>
+          <p:cNvPr id="3" name="Text Placeholder 2">
+            <a:extLst>
+              <a:ext uri="{FF2B5EF4-FFF2-40B4-BE49-F238E27FC236}">
+                <a16:creationId xmlns:a16="http://schemas.microsoft.com/office/drawing/2014/main" id="{99F5DBC8-929E-455F-BA07-52462E7B4FC5}"/>
+              </a:ext>
+            </a:extLst>
+          </p:cNvPr>
+          <p:cNvSpPr>
+            <a:spLocks noGrp="1"/>
+          </p:cNvSpPr>
+          <p:nvPr>
+            <p:ph type="body" sz="quarter" idx="10"/>
+          </p:nvPr>
+        </p:nvSpPr>
+        <p:spPr/>
+        <p:txBody>
+          <a:bodyPr/>
+          <a:lstStyle/>
+          <a:p>
+            <a:r>
               <a:rPr lang="en-US" dirty="0" err="1"/>
               <a:t>init</a:t>
             </a:r>
@@ -5103,7 +5457,7 @@
 </p:sld>
 </file>
 
-<file path=ppt/slides/slide6.xml><?xml version="1.0" encoding="utf-8"?>
+<file path=ppt/slides/slide7.xml><?xml version="1.0" encoding="utf-8"?>
 <p:sld xmlns:a="http://schemas.openxmlformats.org/drawingml/2006/main" xmlns:r="http://schemas.openxmlformats.org/officeDocument/2006/relationships" xmlns:p="http://schemas.openxmlformats.org/presentationml/2006/main">
   <p:cSld>
     <p:spTree>
@@ -5256,7 +5610,7 @@
 </p:sld>
 </file>
 
-<file path=ppt/slides/slide7.xml><?xml version="1.0" encoding="utf-8"?>
+<file path=ppt/slides/slide8.xml><?xml version="1.0" encoding="utf-8"?>
 <p:sld xmlns:a="http://schemas.openxmlformats.org/drawingml/2006/main" xmlns:r="http://schemas.openxmlformats.org/officeDocument/2006/relationships" xmlns:p="http://schemas.openxmlformats.org/presentationml/2006/main">
   <p:cSld>
     <p:spTree>
@@ -5345,7 +5699,7 @@
 </p:sld>
 </file>
 
-<file path=ppt/slides/slide8.xml><?xml version="1.0" encoding="utf-8"?>
+<file path=ppt/slides/slide9.xml><?xml version="1.0" encoding="utf-8"?>
 <p:sld xmlns:a="http://schemas.openxmlformats.org/drawingml/2006/main" xmlns:r="http://schemas.openxmlformats.org/officeDocument/2006/relationships" xmlns:p="http://schemas.openxmlformats.org/presentationml/2006/main">
   <p:cSld>
     <p:spTree>
@@ -5424,163 +5778,6 @@
     <p:extLst>
       <p:ext uri="{BB962C8B-B14F-4D97-AF65-F5344CB8AC3E}">
         <p14:creationId xmlns:p14="http://schemas.microsoft.com/office/powerpoint/2010/main" val="3773180800"/>
-      </p:ext>
-    </p:extLst>
-  </p:cSld>
-  <p:clrMapOvr>
-    <a:masterClrMapping/>
-  </p:clrMapOvr>
-</p:sld>
-</file>
-
-<file path=ppt/slides/slide9.xml><?xml version="1.0" encoding="utf-8"?>
-<p:sld xmlns:a="http://schemas.openxmlformats.org/drawingml/2006/main" xmlns:r="http://schemas.openxmlformats.org/officeDocument/2006/relationships" xmlns:p="http://schemas.openxmlformats.org/presentationml/2006/main">
-  <p:cSld>
-    <p:spTree>
-      <p:nvGrpSpPr>
-        <p:cNvPr id="1" name=""/>
-        <p:cNvGrpSpPr/>
-        <p:nvPr/>
-      </p:nvGrpSpPr>
-      <p:grpSpPr>
-        <a:xfrm>
-          <a:off x="0" y="0"/>
-          <a:ext cx="0" cy="0"/>
-          <a:chOff x="0" y="0"/>
-          <a:chExt cx="0" cy="0"/>
-        </a:xfrm>
-      </p:grpSpPr>
-      <p:sp>
-        <p:nvSpPr>
-          <p:cNvPr id="3" name="Text Placeholder 2">
-            <a:extLst>
-              <a:ext uri="{FF2B5EF4-FFF2-40B4-BE49-F238E27FC236}">
-                <a16:creationId xmlns:a16="http://schemas.microsoft.com/office/drawing/2014/main" id="{99F5DBC8-929E-455F-BA07-52462E7B4FC5}"/>
-              </a:ext>
-            </a:extLst>
-          </p:cNvPr>
-          <p:cNvSpPr>
-            <a:spLocks noGrp="1"/>
-          </p:cNvSpPr>
-          <p:nvPr>
-            <p:ph type="body" sz="quarter" idx="10"/>
-          </p:nvPr>
-        </p:nvSpPr>
-        <p:spPr/>
-        <p:txBody>
-          <a:bodyPr/>
-          <a:lstStyle/>
-          <a:p>
-            <a:r>
-              <a:rPr lang="en-US" dirty="0" err="1"/>
-              <a:t>systemd</a:t>
-            </a:r>
-            <a:endParaRPr lang="en-US" dirty="0"/>
-          </a:p>
-        </p:txBody>
-      </p:sp>
-      <p:pic>
-        <p:nvPicPr>
-          <p:cNvPr id="2" name="Picture 1">
-            <a:extLst>
-              <a:ext uri="{FF2B5EF4-FFF2-40B4-BE49-F238E27FC236}">
-                <a16:creationId xmlns:a16="http://schemas.microsoft.com/office/drawing/2014/main" id="{36D25B08-594F-FF45-8F41-22B4463A0ED7}"/>
-              </a:ext>
-            </a:extLst>
-          </p:cNvPr>
-          <p:cNvPicPr>
-            <a:picLocks noChangeAspect="1"/>
-          </p:cNvPicPr>
-          <p:nvPr/>
-        </p:nvPicPr>
-        <p:blipFill>
-          <a:blip r:embed="rId2"/>
-          <a:stretch>
-            <a:fillRect/>
-          </a:stretch>
-        </p:blipFill>
-        <p:spPr>
-          <a:xfrm>
-            <a:off x="2005157" y="1290204"/>
-            <a:ext cx="8036690" cy="4511505"/>
-          </a:xfrm>
-          <a:prstGeom prst="rect">
-            <a:avLst/>
-          </a:prstGeom>
-        </p:spPr>
-      </p:pic>
-      <p:sp>
-        <p:nvSpPr>
-          <p:cNvPr id="4" name="TextBox 3">
-            <a:extLst>
-              <a:ext uri="{FF2B5EF4-FFF2-40B4-BE49-F238E27FC236}">
-                <a16:creationId xmlns:a16="http://schemas.microsoft.com/office/drawing/2014/main" id="{7F18331A-CC52-9B4E-86E0-DF99556AF1C8}"/>
-              </a:ext>
-            </a:extLst>
-          </p:cNvPr>
-          <p:cNvSpPr txBox="1"/>
-          <p:nvPr/>
-        </p:nvSpPr>
-        <p:spPr>
-          <a:xfrm>
-            <a:off x="248356" y="5817303"/>
-            <a:ext cx="10250311" cy="923330"/>
-          </a:xfrm>
-          <a:prstGeom prst="rect">
-            <a:avLst/>
-          </a:prstGeom>
-          <a:noFill/>
-        </p:spPr>
-        <p:txBody>
-          <a:bodyPr wrap="square" rtlCol="0">
-            <a:spAutoFit/>
-          </a:bodyPr>
-          <a:lstStyle/>
-          <a:p>
-            <a:r>
-              <a:rPr lang="en-GB" dirty="0"/>
-              <a:t>https://</a:t>
-            </a:r>
-            <a:r>
-              <a:rPr lang="en-GB" dirty="0" err="1"/>
-              <a:t>access.redhat.com</a:t>
-            </a:r>
-            <a:r>
-              <a:rPr lang="en-GB" dirty="0"/>
-              <a:t>/documentation/</a:t>
-            </a:r>
-            <a:r>
-              <a:rPr lang="en-GB" dirty="0" err="1"/>
-              <a:t>en</a:t>
-            </a:r>
-            <a:r>
-              <a:rPr lang="en-GB" dirty="0"/>
-              <a:t>-us/</a:t>
-            </a:r>
-            <a:r>
-              <a:rPr lang="en-GB" dirty="0" err="1"/>
-              <a:t>red_hat_enterprise_linux</a:t>
-            </a:r>
-            <a:r>
-              <a:rPr lang="en-GB" dirty="0"/>
-              <a:t>/8/html/</a:t>
-            </a:r>
-            <a:r>
-              <a:rPr lang="en-GB" dirty="0" err="1"/>
-              <a:t>configuring_basic_system_settings</a:t>
-            </a:r>
-            <a:r>
-              <a:rPr lang="en-GB" dirty="0"/>
-              <a:t>/managing-services-with-systemd_configuring-basic-system-settings</a:t>
-            </a:r>
-            <a:endParaRPr lang="en-RU" dirty="0"/>
-          </a:p>
-        </p:txBody>
-      </p:sp>
-    </p:spTree>
-    <p:extLst>
-      <p:ext uri="{BB962C8B-B14F-4D97-AF65-F5344CB8AC3E}">
-        <p14:creationId xmlns:p14="http://schemas.microsoft.com/office/powerpoint/2010/main" val="3497776989"/>
       </p:ext>
     </p:extLst>
   </p:cSld>
